--- a/docs/diagrams/LogicComponentClassDiagram.pptx
+++ b/docs/diagrams/LogicComponentClassDiagram.pptx
@@ -5,10 +5,11 @@
     <p:sldMasterId id="2147483648" r:id="rId1"/>
   </p:sldMasterIdLst>
   <p:notesMasterIdLst>
-    <p:notesMasterId r:id="rId3"/>
+    <p:notesMasterId r:id="rId4"/>
   </p:notesMasterIdLst>
   <p:sldIdLst>
     <p:sldId id="262" r:id="rId2"/>
+    <p:sldId id="263" r:id="rId3"/>
   </p:sldIdLst>
   <p:sldSz cx="9144000" cy="6858000" type="screen4x3"/>
   <p:notesSz cx="6858000" cy="9144000"/>
@@ -126,10 +127,6 @@
 </p:presentation>
 </file>
 
-<file path=ppt/revisionInfo.xml><?xml version="1.0" encoding="utf-8"?>
-<p1510:revInfo xmlns:a="http://schemas.openxmlformats.org/drawingml/2006/main" xmlns:r="http://schemas.openxmlformats.org/officeDocument/2006/relationships" xmlns:p1510="http://schemas.microsoft.com/office/powerpoint/2015/10/main"/>
-</file>
-
 <file path=ppt/notesMasters/notesMaster1.xml><?xml version="1.0" encoding="utf-8"?>
 <p:notesMaster xmlns:a="http://schemas.openxmlformats.org/drawingml/2006/main" xmlns:r="http://schemas.openxmlformats.org/officeDocument/2006/relationships" xmlns:p="http://schemas.openxmlformats.org/presentationml/2006/main">
   <p:cSld>
@@ -212,7 +209,7 @@
           <a:p>
             <a:fld id="{F5CC4B3F-88C1-4FFA-B1B6-F41C21DC6924}" type="datetimeFigureOut">
               <a:rPr lang="en-US" smtClean="0"/>
-              <a:t>4/16/2018</a:t>
+              <a:t>11/12/2018</a:t>
             </a:fld>
             <a:endParaRPr lang="en-US"/>
           </a:p>
@@ -658,7 +655,7 @@
           <a:p>
             <a:fld id="{78C97017-6FC3-485B-9764-EAC9E56C1D49}" type="datetimeFigureOut">
               <a:rPr lang="en-US" smtClean="0"/>
-              <a:t>4/16/2018</a:t>
+              <a:t>11/12/2018</a:t>
             </a:fld>
             <a:endParaRPr lang="en-US"/>
           </a:p>
@@ -826,7 +823,7 @@
           <a:p>
             <a:fld id="{78C97017-6FC3-485B-9764-EAC9E56C1D49}" type="datetimeFigureOut">
               <a:rPr lang="en-US" smtClean="0"/>
-              <a:t>4/16/2018</a:t>
+              <a:t>11/12/2018</a:t>
             </a:fld>
             <a:endParaRPr lang="en-US"/>
           </a:p>
@@ -1004,7 +1001,7 @@
           <a:p>
             <a:fld id="{78C97017-6FC3-485B-9764-EAC9E56C1D49}" type="datetimeFigureOut">
               <a:rPr lang="en-US" smtClean="0"/>
-              <a:t>4/16/2018</a:t>
+              <a:t>11/12/2018</a:t>
             </a:fld>
             <a:endParaRPr lang="en-US"/>
           </a:p>
@@ -1172,7 +1169,7 @@
           <a:p>
             <a:fld id="{78C97017-6FC3-485B-9764-EAC9E56C1D49}" type="datetimeFigureOut">
               <a:rPr lang="en-US" smtClean="0"/>
-              <a:t>4/16/2018</a:t>
+              <a:t>11/12/2018</a:t>
             </a:fld>
             <a:endParaRPr lang="en-US"/>
           </a:p>
@@ -1417,7 +1414,7 @@
           <a:p>
             <a:fld id="{78C97017-6FC3-485B-9764-EAC9E56C1D49}" type="datetimeFigureOut">
               <a:rPr lang="en-US" smtClean="0"/>
-              <a:t>4/16/2018</a:t>
+              <a:t>11/12/2018</a:t>
             </a:fld>
             <a:endParaRPr lang="en-US"/>
           </a:p>
@@ -1702,7 +1699,7 @@
           <a:p>
             <a:fld id="{78C97017-6FC3-485B-9764-EAC9E56C1D49}" type="datetimeFigureOut">
               <a:rPr lang="en-US" smtClean="0"/>
-              <a:t>4/16/2018</a:t>
+              <a:t>11/12/2018</a:t>
             </a:fld>
             <a:endParaRPr lang="en-US"/>
           </a:p>
@@ -2121,7 +2118,7 @@
           <a:p>
             <a:fld id="{78C97017-6FC3-485B-9764-EAC9E56C1D49}" type="datetimeFigureOut">
               <a:rPr lang="en-US" smtClean="0"/>
-              <a:t>4/16/2018</a:t>
+              <a:t>11/12/2018</a:t>
             </a:fld>
             <a:endParaRPr lang="en-US"/>
           </a:p>
@@ -2238,7 +2235,7 @@
           <a:p>
             <a:fld id="{78C97017-6FC3-485B-9764-EAC9E56C1D49}" type="datetimeFigureOut">
               <a:rPr lang="en-US" smtClean="0"/>
-              <a:t>4/16/2018</a:t>
+              <a:t>11/12/2018</a:t>
             </a:fld>
             <a:endParaRPr lang="en-US"/>
           </a:p>
@@ -2333,7 +2330,7 @@
           <a:p>
             <a:fld id="{78C97017-6FC3-485B-9764-EAC9E56C1D49}" type="datetimeFigureOut">
               <a:rPr lang="en-US" smtClean="0"/>
-              <a:t>4/16/2018</a:t>
+              <a:t>11/12/2018</a:t>
             </a:fld>
             <a:endParaRPr lang="en-US"/>
           </a:p>
@@ -2608,7 +2605,7 @@
           <a:p>
             <a:fld id="{78C97017-6FC3-485B-9764-EAC9E56C1D49}" type="datetimeFigureOut">
               <a:rPr lang="en-US" smtClean="0"/>
-              <a:t>4/16/2018</a:t>
+              <a:t>11/12/2018</a:t>
             </a:fld>
             <a:endParaRPr lang="en-US"/>
           </a:p>
@@ -2860,7 +2857,7 @@
           <a:p>
             <a:fld id="{78C97017-6FC3-485B-9764-EAC9E56C1D49}" type="datetimeFigureOut">
               <a:rPr lang="en-US" smtClean="0"/>
-              <a:t>4/16/2018</a:t>
+              <a:t>11/12/2018</a:t>
             </a:fld>
             <a:endParaRPr lang="en-US"/>
           </a:p>
@@ -3071,7 +3068,7 @@
           <a:p>
             <a:fld id="{78C97017-6FC3-485B-9764-EAC9E56C1D49}" type="datetimeFigureOut">
               <a:rPr lang="en-US" smtClean="0"/>
-              <a:t>4/16/2018</a:t>
+              <a:t>11/12/2018</a:t>
             </a:fld>
             <a:endParaRPr lang="en-US"/>
           </a:p>
@@ -3607,7 +3604,7 @@
           <a:p>
             <a:pPr algn="ctr"/>
             <a:r>
-              <a:rPr lang="en-US" sz="1050" b="1" dirty="0" err="1" smtClean="0">
+              <a:rPr lang="en-US" sz="1050" b="1" dirty="0" err="1">
                 <a:solidFill>
                   <a:srgbClr val="0070C0"/>
                 </a:solidFill>
@@ -3939,7 +3936,7 @@
           <a:p>
             <a:pPr algn="ctr"/>
             <a:r>
-              <a:rPr lang="en-US" sz="1050" dirty="0" err="1" smtClean="0">
+              <a:rPr lang="en-US" sz="1050" dirty="0" err="1">
                 <a:solidFill>
                   <a:schemeClr val="bg1"/>
                 </a:solidFill>
@@ -5815,7 +5812,7 @@
           <a:p>
             <a:pPr algn="ctr"/>
             <a:r>
-              <a:rPr lang="en-US" sz="1050" b="1" dirty="0" err="1" smtClean="0">
+              <a:rPr lang="en-US" sz="1050" b="1" dirty="0" err="1">
                 <a:solidFill>
                   <a:schemeClr val="bg1"/>
                 </a:solidFill>
@@ -6165,7 +6162,7 @@
           <a:p>
             <a:pPr algn="ctr"/>
             <a:r>
-              <a:rPr lang="en-US" sz="1050" dirty="0" err="1" smtClean="0">
+              <a:rPr lang="en-US" sz="1050" dirty="0" err="1">
                 <a:solidFill>
                   <a:schemeClr val="bg1"/>
                 </a:solidFill>
@@ -6173,7 +6170,7 @@
               <a:t>XYZCommand</a:t>
             </a:r>
             <a:r>
-              <a:rPr lang="en-US" sz="1050" dirty="0" smtClean="0">
+              <a:rPr lang="en-US" sz="1050" dirty="0">
                 <a:solidFill>
                   <a:schemeClr val="bg1"/>
                 </a:solidFill>
@@ -6181,7 +6178,7 @@
               <a:t> = </a:t>
             </a:r>
             <a:r>
-              <a:rPr lang="en-US" sz="1050" dirty="0" err="1" smtClean="0">
+              <a:rPr lang="en-US" sz="1050" dirty="0" err="1">
                 <a:solidFill>
                   <a:schemeClr val="bg1"/>
                 </a:solidFill>
@@ -6189,7 +6186,7 @@
               <a:t>AddCommand</a:t>
             </a:r>
             <a:r>
-              <a:rPr lang="en-US" sz="1050" dirty="0" smtClean="0">
+              <a:rPr lang="en-US" sz="1050" dirty="0">
                 <a:solidFill>
                   <a:schemeClr val="bg1"/>
                 </a:solidFill>
@@ -6197,7 +6194,7 @@
               <a:t>, </a:t>
             </a:r>
             <a:r>
-              <a:rPr lang="en-US" sz="1050" dirty="0" err="1" smtClean="0">
+              <a:rPr lang="en-US" sz="1050" dirty="0" err="1">
                 <a:solidFill>
                   <a:schemeClr val="bg1"/>
                 </a:solidFill>
@@ -6205,12 +6202,545 @@
               <a:t>FindCommand</a:t>
             </a:r>
             <a:r>
-              <a:rPr lang="en-US" sz="1050" dirty="0" smtClean="0">
+              <a:rPr lang="en-US" sz="1050" dirty="0">
                 <a:solidFill>
                   <a:schemeClr val="bg1"/>
                 </a:solidFill>
               </a:rPr>
               <a:t>, etc.</a:t>
+            </a:r>
+          </a:p>
+        </p:txBody>
+      </p:sp>
+    </p:spTree>
+    <p:extLst>
+      <p:ext uri="{BB962C8B-B14F-4D97-AF65-F5344CB8AC3E}">
+        <p14:creationId xmlns:p14="http://schemas.microsoft.com/office/powerpoint/2010/main" val="211586602"/>
+      </p:ext>
+    </p:extLst>
+  </p:cSld>
+  <p:clrMapOvr>
+    <a:masterClrMapping/>
+  </p:clrMapOvr>
+</p:sld>
+</file>
+
+<file path=ppt/slides/slide2.xml><?xml version="1.0" encoding="utf-8"?>
+<p:sld xmlns:a="http://schemas.openxmlformats.org/drawingml/2006/main" xmlns:r="http://schemas.openxmlformats.org/officeDocument/2006/relationships" xmlns:p="http://schemas.openxmlformats.org/presentationml/2006/main">
+  <p:cSld>
+    <p:spTree>
+      <p:nvGrpSpPr>
+        <p:cNvPr id="1" name=""/>
+        <p:cNvGrpSpPr/>
+        <p:nvPr/>
+      </p:nvGrpSpPr>
+      <p:grpSpPr>
+        <a:xfrm>
+          <a:off x="0" y="0"/>
+          <a:ext cx="0" cy="0"/>
+          <a:chOff x="0" y="0"/>
+          <a:chExt cx="0" cy="0"/>
+        </a:xfrm>
+      </p:grpSpPr>
+      <p:sp>
+        <p:nvSpPr>
+          <p:cNvPr id="2" name="Rectangle 65"/>
+          <p:cNvSpPr/>
+          <p:nvPr/>
+        </p:nvSpPr>
+        <p:spPr>
+          <a:xfrm>
+            <a:off x="1066800" y="914400"/>
+            <a:ext cx="7084740" cy="4037934"/>
+          </a:xfrm>
+          <a:prstGeom prst="roundRect">
+            <a:avLst>
+              <a:gd name="adj" fmla="val 3484"/>
+            </a:avLst>
+          </a:prstGeom>
+          <a:solidFill>
+            <a:schemeClr val="accent1">
+              <a:lumMod val="20000"/>
+              <a:lumOff val="80000"/>
+            </a:schemeClr>
+          </a:solidFill>
+          <a:ln w="19050">
+            <a:noFill/>
+          </a:ln>
+          <a:effectLst/>
+        </p:spPr>
+        <p:style>
+          <a:lnRef idx="1">
+            <a:schemeClr val="accent2"/>
+          </a:lnRef>
+          <a:fillRef idx="2">
+            <a:schemeClr val="accent2"/>
+          </a:fillRef>
+          <a:effectRef idx="1">
+            <a:schemeClr val="accent2"/>
+          </a:effectRef>
+          <a:fontRef idx="minor">
+            <a:schemeClr val="dk1"/>
+          </a:fontRef>
+        </p:style>
+        <p:txBody>
+          <a:bodyPr rtlCol="0" anchor="t"/>
+          <a:lstStyle/>
+          <a:p>
+            <a:r>
+              <a:rPr lang="en-US" sz="1200" b="1" dirty="0">
+                <a:solidFill>
+                  <a:srgbClr val="0070C0"/>
+                </a:solidFill>
+              </a:rPr>
+              <a:t>Logic</a:t>
+            </a:r>
+            <a:endParaRPr lang="en-SG" sz="1200" b="1" dirty="0">
+              <a:solidFill>
+                <a:srgbClr val="0070C0"/>
+              </a:solidFill>
+            </a:endParaRPr>
+          </a:p>
+        </p:txBody>
+      </p:sp>
+      <p:sp>
+        <p:nvSpPr>
+          <p:cNvPr id="3" name="Rectangle 8"/>
+          <p:cNvSpPr/>
+          <p:nvPr/>
+        </p:nvSpPr>
+        <p:spPr>
+          <a:xfrm>
+            <a:off x="2095948" y="1253067"/>
+            <a:ext cx="1093635" cy="346760"/>
+          </a:xfrm>
+          <a:prstGeom prst="rect">
+            <a:avLst/>
+          </a:prstGeom>
+          <a:solidFill>
+            <a:srgbClr val="0070C0"/>
+          </a:solidFill>
+          <a:ln w="19050">
+            <a:solidFill>
+              <a:srgbClr val="0070C0"/>
+            </a:solidFill>
+          </a:ln>
+          <a:effectLst/>
+        </p:spPr>
+        <p:style>
+          <a:lnRef idx="1">
+            <a:schemeClr val="accent2"/>
+          </a:lnRef>
+          <a:fillRef idx="2">
+            <a:schemeClr val="accent2"/>
+          </a:fillRef>
+          <a:effectRef idx="1">
+            <a:schemeClr val="accent2"/>
+          </a:effectRef>
+          <a:fontRef idx="minor">
+            <a:schemeClr val="dk1"/>
+          </a:fontRef>
+        </p:style>
+        <p:txBody>
+          <a:bodyPr rtlCol="0" anchor="ctr"/>
+          <a:lstStyle/>
+          <a:p>
+            <a:pPr algn="ctr"/>
+            <a:r>
+              <a:rPr lang="en-US" sz="1050" dirty="0" err="1">
+                <a:solidFill>
+                  <a:schemeClr val="bg1"/>
+                </a:solidFill>
+              </a:rPr>
+              <a:t>CommandResult</a:t>
+            </a:r>
+            <a:endParaRPr lang="en-SG" sz="1050" dirty="0">
+              <a:solidFill>
+                <a:schemeClr val="bg1"/>
+              </a:solidFill>
+            </a:endParaRPr>
+          </a:p>
+        </p:txBody>
+      </p:sp>
+      <p:sp>
+        <p:nvSpPr>
+          <p:cNvPr id="4" name="Rectangle 11"/>
+          <p:cNvSpPr/>
+          <p:nvPr/>
+        </p:nvSpPr>
+        <p:spPr>
+          <a:xfrm flipH="1">
+            <a:off x="6878274" y="2740152"/>
+            <a:ext cx="970326" cy="346760"/>
+          </a:xfrm>
+          <a:prstGeom prst="rect">
+            <a:avLst/>
+          </a:prstGeom>
+          <a:ln w="19050">
+            <a:solidFill>
+              <a:srgbClr val="0070C0"/>
+            </a:solidFill>
+          </a:ln>
+          <a:effectLst/>
+        </p:spPr>
+        <p:style>
+          <a:lnRef idx="1">
+            <a:schemeClr val="accent1"/>
+          </a:lnRef>
+          <a:fillRef idx="2">
+            <a:schemeClr val="accent1"/>
+          </a:fillRef>
+          <a:effectRef idx="1">
+            <a:schemeClr val="accent1"/>
+          </a:effectRef>
+          <a:fontRef idx="minor">
+            <a:schemeClr val="dk1"/>
+          </a:fontRef>
+        </p:style>
+        <p:txBody>
+          <a:bodyPr rtlCol="0" anchor="ctr"/>
+          <a:lstStyle/>
+          <a:p>
+            <a:pPr algn="ctr"/>
+            <a:r>
+              <a:rPr lang="en-US" sz="1050" b="1" dirty="0" err="1">
+                <a:solidFill>
+                  <a:srgbClr val="0070C0"/>
+                </a:solidFill>
+              </a:rPr>
+              <a:t>XYZCommand</a:t>
+            </a:r>
+            <a:endParaRPr lang="en-SG" sz="1050" b="1" dirty="0">
+              <a:solidFill>
+                <a:srgbClr val="0070C0"/>
+              </a:solidFill>
+            </a:endParaRPr>
+          </a:p>
+        </p:txBody>
+      </p:sp>
+      <p:sp>
+        <p:nvSpPr>
+          <p:cNvPr id="5" name="Rectangle 62"/>
+          <p:cNvSpPr/>
+          <p:nvPr/>
+        </p:nvSpPr>
+        <p:spPr>
+          <a:xfrm>
+            <a:off x="1782495" y="3583530"/>
+            <a:ext cx="1093635" cy="346760"/>
+          </a:xfrm>
+          <a:prstGeom prst="rect">
+            <a:avLst/>
+          </a:prstGeom>
+          <a:solidFill>
+            <a:srgbClr val="0070C0"/>
+          </a:solidFill>
+          <a:ln w="19050">
+            <a:solidFill>
+              <a:srgbClr val="0070C0"/>
+            </a:solidFill>
+          </a:ln>
+          <a:effectLst/>
+        </p:spPr>
+        <p:style>
+          <a:lnRef idx="1">
+            <a:schemeClr val="accent2"/>
+          </a:lnRef>
+          <a:fillRef idx="2">
+            <a:schemeClr val="accent2"/>
+          </a:fillRef>
+          <a:effectRef idx="1">
+            <a:schemeClr val="accent2"/>
+          </a:effectRef>
+          <a:fontRef idx="minor">
+            <a:schemeClr val="dk1"/>
+          </a:fontRef>
+        </p:style>
+        <p:txBody>
+          <a:bodyPr rtlCol="0" anchor="ctr"/>
+          <a:lstStyle/>
+          <a:p>
+            <a:pPr algn="ctr"/>
+            <a:r>
+              <a:rPr lang="en-US" sz="1050" dirty="0" err="1">
+                <a:solidFill>
+                  <a:schemeClr val="bg1"/>
+                </a:solidFill>
+              </a:rPr>
+              <a:t>LogicManager</a:t>
+            </a:r>
+            <a:endParaRPr lang="en-SG" sz="1050" dirty="0">
+              <a:solidFill>
+                <a:schemeClr val="bg1"/>
+              </a:solidFill>
+            </a:endParaRPr>
+          </a:p>
+        </p:txBody>
+      </p:sp>
+      <p:cxnSp>
+        <p:nvCxnSpPr>
+          <p:cNvPr id="6" name="Elbow Connector 63"/>
+          <p:cNvCxnSpPr>
+            <a:stCxn id="12" idx="3"/>
+            <a:endCxn id="3" idx="3"/>
+          </p:cNvCxnSpPr>
+          <p:nvPr/>
+        </p:nvCxnSpPr>
+        <p:spPr>
+          <a:xfrm flipH="1" flipV="1">
+            <a:off x="3189583" y="1426447"/>
+            <a:ext cx="4559332" cy="2895973"/>
+          </a:xfrm>
+          <a:prstGeom prst="bentConnector3">
+            <a:avLst>
+              <a:gd name="adj1" fmla="val -5014"/>
+            </a:avLst>
+          </a:prstGeom>
+          <a:ln w="19050">
+            <a:solidFill>
+              <a:srgbClr val="0070C0"/>
+            </a:solidFill>
+            <a:prstDash val="sysDot"/>
+            <a:headEnd type="none" w="med" len="med"/>
+            <a:tailEnd type="arrow" w="med" len="med"/>
+          </a:ln>
+          <a:effectLst/>
+        </p:spPr>
+        <p:style>
+          <a:lnRef idx="1">
+            <a:schemeClr val="accent2"/>
+          </a:lnRef>
+          <a:fillRef idx="2">
+            <a:schemeClr val="accent2"/>
+          </a:fillRef>
+          <a:effectRef idx="1">
+            <a:schemeClr val="accent2"/>
+          </a:effectRef>
+          <a:fontRef idx="minor">
+            <a:schemeClr val="dk1"/>
+          </a:fontRef>
+        </p:style>
+      </p:cxnSp>
+      <p:cxnSp>
+        <p:nvCxnSpPr>
+          <p:cNvPr id="8" name="Elbow Connector 122"/>
+          <p:cNvCxnSpPr>
+            <a:endCxn id="3" idx="1"/>
+          </p:cNvCxnSpPr>
+          <p:nvPr/>
+        </p:nvCxnSpPr>
+        <p:spPr>
+          <a:xfrm>
+            <a:off x="1676400" y="1423587"/>
+            <a:ext cx="419548" cy="2860"/>
+          </a:xfrm>
+          <a:prstGeom prst="bentConnector3">
+            <a:avLst>
+              <a:gd name="adj1" fmla="val 50000"/>
+            </a:avLst>
+          </a:prstGeom>
+          <a:ln w="19050">
+            <a:solidFill>
+              <a:srgbClr val="0070C0"/>
+            </a:solidFill>
+            <a:prstDash val="sysDot"/>
+            <a:headEnd type="none" w="med" len="med"/>
+            <a:tailEnd type="arrow" w="med" len="med"/>
+          </a:ln>
+          <a:effectLst/>
+        </p:spPr>
+        <p:style>
+          <a:lnRef idx="1">
+            <a:schemeClr val="accent2"/>
+          </a:lnRef>
+          <a:fillRef idx="2">
+            <a:schemeClr val="accent2"/>
+          </a:fillRef>
+          <a:effectRef idx="1">
+            <a:schemeClr val="accent2"/>
+          </a:effectRef>
+          <a:fontRef idx="minor">
+            <a:schemeClr val="dk1"/>
+          </a:fontRef>
+        </p:style>
+      </p:cxnSp>
+      <p:sp>
+        <p:nvSpPr>
+          <p:cNvPr id="9" name="Rectangle 65"/>
+          <p:cNvSpPr/>
+          <p:nvPr/>
+        </p:nvSpPr>
+        <p:spPr>
+          <a:xfrm>
+            <a:off x="1103085" y="5106331"/>
+            <a:ext cx="7050315" cy="328045"/>
+          </a:xfrm>
+          <a:prstGeom prst="roundRect">
+            <a:avLst/>
+          </a:prstGeom>
+          <a:solidFill>
+            <a:schemeClr val="accent4">
+              <a:lumMod val="20000"/>
+              <a:lumOff val="80000"/>
+            </a:schemeClr>
+          </a:solidFill>
+          <a:ln w="19050">
+            <a:noFill/>
+          </a:ln>
+          <a:effectLst/>
+        </p:spPr>
+        <p:style>
+          <a:lnRef idx="1">
+            <a:schemeClr val="accent2"/>
+          </a:lnRef>
+          <a:fillRef idx="2">
+            <a:schemeClr val="accent2"/>
+          </a:fillRef>
+          <a:effectRef idx="1">
+            <a:schemeClr val="accent2"/>
+          </a:effectRef>
+          <a:fontRef idx="minor">
+            <a:schemeClr val="dk1"/>
+          </a:fontRef>
+        </p:style>
+        <p:txBody>
+          <a:bodyPr rtlCol="0" anchor="ctr"/>
+          <a:lstStyle/>
+          <a:p>
+            <a:pPr algn="ctr"/>
+            <a:r>
+              <a:rPr lang="en-US" sz="1100" b="1" dirty="0">
+                <a:solidFill>
+                  <a:schemeClr val="bg1"/>
+                </a:solidFill>
+              </a:rPr>
+              <a:t>Model</a:t>
+            </a:r>
+            <a:endParaRPr lang="en-SG" sz="1100" b="1" dirty="0">
+              <a:solidFill>
+                <a:schemeClr val="bg1"/>
+              </a:solidFill>
+            </a:endParaRPr>
+          </a:p>
+        </p:txBody>
+      </p:sp>
+      <p:sp>
+        <p:nvSpPr>
+          <p:cNvPr id="12" name="Rectangle 62"/>
+          <p:cNvSpPr/>
+          <p:nvPr/>
+        </p:nvSpPr>
+        <p:spPr>
+          <a:xfrm>
+            <a:off x="6976872" y="4149040"/>
+            <a:ext cx="772043" cy="346760"/>
+          </a:xfrm>
+          <a:prstGeom prst="rect">
+            <a:avLst/>
+          </a:prstGeom>
+          <a:ln w="19050">
+            <a:solidFill>
+              <a:srgbClr val="0070C0"/>
+            </a:solidFill>
+          </a:ln>
+          <a:effectLst/>
+        </p:spPr>
+        <p:style>
+          <a:lnRef idx="1">
+            <a:schemeClr val="accent1"/>
+          </a:lnRef>
+          <a:fillRef idx="2">
+            <a:schemeClr val="accent1"/>
+          </a:fillRef>
+          <a:effectRef idx="1">
+            <a:schemeClr val="accent1"/>
+          </a:effectRef>
+          <a:fontRef idx="minor">
+            <a:schemeClr val="dk1"/>
+          </a:fontRef>
+        </p:style>
+        <p:txBody>
+          <a:bodyPr rtlCol="0" anchor="ctr"/>
+          <a:lstStyle/>
+          <a:p>
+            <a:pPr algn="ctr"/>
+            <a:r>
+              <a:rPr lang="en-US" sz="1050" b="1" dirty="0">
+                <a:solidFill>
+                  <a:srgbClr val="0070C0"/>
+                </a:solidFill>
+              </a:rPr>
+              <a:t>{abstract}</a:t>
+            </a:r>
+            <a:br>
+              <a:rPr lang="en-US" sz="1050" b="1" dirty="0">
+                <a:solidFill>
+                  <a:srgbClr val="0070C0"/>
+                </a:solidFill>
+              </a:rPr>
+            </a:br>
+            <a:r>
+              <a:rPr lang="en-US" sz="1050" b="1" dirty="0">
+                <a:solidFill>
+                  <a:srgbClr val="0070C0"/>
+                </a:solidFill>
+              </a:rPr>
+              <a:t>Command</a:t>
+            </a:r>
+            <a:endParaRPr lang="en-SG" sz="1050" b="1" dirty="0">
+              <a:solidFill>
+                <a:srgbClr val="0070C0"/>
+              </a:solidFill>
+            </a:endParaRPr>
+          </a:p>
+        </p:txBody>
+      </p:sp>
+      <p:sp>
+        <p:nvSpPr>
+          <p:cNvPr id="16" name="Rectangle 62"/>
+          <p:cNvSpPr/>
+          <p:nvPr/>
+        </p:nvSpPr>
+        <p:spPr>
+          <a:xfrm>
+            <a:off x="3255418" y="3554995"/>
+            <a:ext cx="1045323" cy="384497"/>
+          </a:xfrm>
+          <a:prstGeom prst="rect">
+            <a:avLst/>
+          </a:prstGeom>
+          <a:solidFill>
+            <a:schemeClr val="accent5"/>
+          </a:solidFill>
+          <a:ln/>
+          <a:effectLst/>
+        </p:spPr>
+        <p:style>
+          <a:lnRef idx="1">
+            <a:schemeClr val="accent5"/>
+          </a:lnRef>
+          <a:fillRef idx="2">
+            <a:schemeClr val="accent5"/>
+          </a:fillRef>
+          <a:effectRef idx="1">
+            <a:schemeClr val="accent5"/>
+          </a:effectRef>
+          <a:fontRef idx="minor">
+            <a:schemeClr val="dk1"/>
+          </a:fontRef>
+        </p:style>
+        <p:txBody>
+          <a:bodyPr rtlCol="0" anchor="ctr"/>
+          <a:lstStyle/>
+          <a:p>
+            <a:pPr algn="ctr"/>
+            <a:r>
+              <a:rPr lang="en-US" sz="1050" dirty="0" err="1">
+                <a:solidFill>
+                  <a:schemeClr val="bg1"/>
+                </a:solidFill>
+              </a:rPr>
+              <a:t>AddressBook</a:t>
             </a:r>
             <a:endParaRPr lang="en-US" sz="1050" dirty="0">
               <a:solidFill>
@@ -6218,12 +6748,2617 @@
               </a:solidFill>
             </a:endParaRPr>
           </a:p>
+          <a:p>
+            <a:pPr algn="ctr"/>
+            <a:r>
+              <a:rPr lang="en-US" sz="1050" dirty="0">
+                <a:solidFill>
+                  <a:schemeClr val="bg1"/>
+                </a:solidFill>
+              </a:rPr>
+              <a:t>Parser</a:t>
+            </a:r>
+            <a:endParaRPr lang="en-SG" sz="1050" dirty="0">
+              <a:solidFill>
+                <a:schemeClr val="bg1"/>
+              </a:solidFill>
+            </a:endParaRPr>
+          </a:p>
+        </p:txBody>
+      </p:sp>
+      <p:cxnSp>
+        <p:nvCxnSpPr>
+          <p:cNvPr id="18" name="Straight Arrow Connector 110"/>
+          <p:cNvCxnSpPr>
+            <a:cxnSpLocks/>
+            <a:stCxn id="12" idx="2"/>
+          </p:cNvCxnSpPr>
+          <p:nvPr/>
+        </p:nvCxnSpPr>
+        <p:spPr>
+          <a:xfrm>
+            <a:off x="7362894" y="4495800"/>
+            <a:ext cx="0" cy="609600"/>
+          </a:xfrm>
+          <a:prstGeom prst="straightConnector1">
+            <a:avLst/>
+          </a:prstGeom>
+          <a:ln w="19050">
+            <a:solidFill>
+              <a:srgbClr val="0070C0"/>
+            </a:solidFill>
+            <a:prstDash val="sysDot"/>
+            <a:headEnd type="none" w="med" len="med"/>
+            <a:tailEnd type="arrow" w="med" len="med"/>
+          </a:ln>
+          <a:effectLst/>
+        </p:spPr>
+        <p:style>
+          <a:lnRef idx="1">
+            <a:schemeClr val="accent2"/>
+          </a:lnRef>
+          <a:fillRef idx="2">
+            <a:schemeClr val="accent2"/>
+          </a:fillRef>
+          <a:effectRef idx="1">
+            <a:schemeClr val="accent2"/>
+          </a:effectRef>
+          <a:fontRef idx="minor">
+            <a:schemeClr val="dk1"/>
+          </a:fontRef>
+        </p:style>
+      </p:cxnSp>
+      <p:sp>
+        <p:nvSpPr>
+          <p:cNvPr id="19" name="Rectangle 62"/>
+          <p:cNvSpPr/>
+          <p:nvPr/>
+        </p:nvSpPr>
+        <p:spPr>
+          <a:xfrm rot="16200000">
+            <a:off x="398120" y="2150720"/>
+            <a:ext cx="2209800" cy="346760"/>
+          </a:xfrm>
+          <a:prstGeom prst="rect">
+            <a:avLst/>
+          </a:prstGeom>
+          <a:solidFill>
+            <a:srgbClr val="0070C0"/>
+          </a:solidFill>
+          <a:ln w="19050">
+            <a:solidFill>
+              <a:srgbClr val="0070C0"/>
+            </a:solidFill>
+          </a:ln>
+          <a:effectLst/>
+        </p:spPr>
+        <p:style>
+          <a:lnRef idx="1">
+            <a:schemeClr val="accent2"/>
+          </a:lnRef>
+          <a:fillRef idx="2">
+            <a:schemeClr val="accent2"/>
+          </a:fillRef>
+          <a:effectRef idx="1">
+            <a:schemeClr val="accent2"/>
+          </a:effectRef>
+          <a:fontRef idx="minor">
+            <a:schemeClr val="dk1"/>
+          </a:fontRef>
+        </p:style>
+        <p:txBody>
+          <a:bodyPr rtlCol="0" anchor="ctr"/>
+          <a:lstStyle/>
+          <a:p>
+            <a:pPr algn="ctr"/>
+            <a:r>
+              <a:rPr lang="en-US" sz="1050" dirty="0">
+                <a:solidFill>
+                  <a:schemeClr val="bg1"/>
+                </a:solidFill>
+              </a:rPr>
+              <a:t>&lt;&lt;interface&gt;&gt;</a:t>
+            </a:r>
+          </a:p>
+          <a:p>
+            <a:pPr algn="ctr"/>
+            <a:r>
+              <a:rPr lang="en-US" sz="1050" dirty="0">
+                <a:solidFill>
+                  <a:schemeClr val="bg1"/>
+                </a:solidFill>
+              </a:rPr>
+              <a:t>Logic</a:t>
+            </a:r>
+            <a:endParaRPr lang="en-SG" sz="1050" dirty="0">
+              <a:solidFill>
+                <a:schemeClr val="bg1"/>
+              </a:solidFill>
+            </a:endParaRPr>
+          </a:p>
+        </p:txBody>
+      </p:sp>
+      <p:sp>
+        <p:nvSpPr>
+          <p:cNvPr id="20" name="Isosceles Triangle 102"/>
+          <p:cNvSpPr/>
+          <p:nvPr/>
+        </p:nvSpPr>
+        <p:spPr>
+          <a:xfrm>
+            <a:off x="1359039" y="3429000"/>
+            <a:ext cx="270504" cy="175523"/>
+          </a:xfrm>
+          <a:prstGeom prst="triangle">
+            <a:avLst/>
+          </a:prstGeom>
+          <a:solidFill>
+            <a:schemeClr val="tx2">
+              <a:lumMod val="60000"/>
+              <a:lumOff val="40000"/>
+            </a:schemeClr>
+          </a:solidFill>
+          <a:ln w="19050">
+            <a:solidFill>
+              <a:srgbClr val="0070C0"/>
+            </a:solidFill>
+          </a:ln>
+          <a:effectLst/>
+        </p:spPr>
+        <p:style>
+          <a:lnRef idx="1">
+            <a:schemeClr val="accent1"/>
+          </a:lnRef>
+          <a:fillRef idx="2">
+            <a:schemeClr val="accent1"/>
+          </a:fillRef>
+          <a:effectRef idx="1">
+            <a:schemeClr val="accent1"/>
+          </a:effectRef>
+          <a:fontRef idx="minor">
+            <a:schemeClr val="dk1"/>
+          </a:fontRef>
+        </p:style>
+        <p:txBody>
+          <a:bodyPr rtlCol="0" anchor="ctr"/>
+          <a:lstStyle/>
+          <a:p>
+            <a:pPr algn="ctr"/>
+            <a:endParaRPr lang="en-SG" sz="1050" b="1">
+              <a:solidFill>
+                <a:srgbClr val="92D050"/>
+              </a:solidFill>
+            </a:endParaRPr>
+          </a:p>
+        </p:txBody>
+      </p:sp>
+      <p:cxnSp>
+        <p:nvCxnSpPr>
+          <p:cNvPr id="21" name="Elbow Connector 63"/>
+          <p:cNvCxnSpPr>
+            <a:stCxn id="5" idx="1"/>
+            <a:endCxn id="20" idx="3"/>
+          </p:cNvCxnSpPr>
+          <p:nvPr/>
+        </p:nvCxnSpPr>
+        <p:spPr>
+          <a:xfrm rot="10800000">
+            <a:off x="1494291" y="3604524"/>
+            <a:ext cx="288204" cy="152387"/>
+          </a:xfrm>
+          <a:prstGeom prst="bentConnector2">
+            <a:avLst/>
+          </a:prstGeom>
+          <a:ln w="19050">
+            <a:solidFill>
+              <a:srgbClr val="0070C0"/>
+            </a:solidFill>
+            <a:prstDash val="sysDot"/>
+            <a:headEnd type="none" w="med" len="med"/>
+            <a:tailEnd type="none" w="med" len="med"/>
+          </a:ln>
+          <a:effectLst/>
+        </p:spPr>
+        <p:style>
+          <a:lnRef idx="1">
+            <a:schemeClr val="accent2"/>
+          </a:lnRef>
+          <a:fillRef idx="2">
+            <a:schemeClr val="accent2"/>
+          </a:fillRef>
+          <a:effectRef idx="1">
+            <a:schemeClr val="accent2"/>
+          </a:effectRef>
+          <a:fontRef idx="minor">
+            <a:schemeClr val="dk1"/>
+          </a:fontRef>
+        </p:style>
+      </p:cxnSp>
+      <p:cxnSp>
+        <p:nvCxnSpPr>
+          <p:cNvPr id="23" name="Straight Arrow Connector 57"/>
+          <p:cNvCxnSpPr>
+            <a:cxnSpLocks/>
+            <a:stCxn id="5" idx="2"/>
+          </p:cNvCxnSpPr>
+          <p:nvPr/>
+        </p:nvCxnSpPr>
+        <p:spPr>
+          <a:xfrm>
+            <a:off x="2329313" y="3930290"/>
+            <a:ext cx="0" cy="1175110"/>
+          </a:xfrm>
+          <a:prstGeom prst="straightConnector1">
+            <a:avLst/>
+          </a:prstGeom>
+          <a:ln w="19050">
+            <a:solidFill>
+              <a:srgbClr val="0070C0"/>
+            </a:solidFill>
+            <a:headEnd type="none" w="med" len="med"/>
+            <a:tailEnd type="arrow" w="med" len="med"/>
+          </a:ln>
+          <a:effectLst/>
+        </p:spPr>
+        <p:style>
+          <a:lnRef idx="1">
+            <a:schemeClr val="accent2"/>
+          </a:lnRef>
+          <a:fillRef idx="2">
+            <a:schemeClr val="accent2"/>
+          </a:fillRef>
+          <a:effectRef idx="1">
+            <a:schemeClr val="accent2"/>
+          </a:effectRef>
+          <a:fontRef idx="minor">
+            <a:schemeClr val="dk1"/>
+          </a:fontRef>
+        </p:style>
+      </p:cxnSp>
+      <p:cxnSp>
+        <p:nvCxnSpPr>
+          <p:cNvPr id="24" name="Elbow Connector 122"/>
+          <p:cNvCxnSpPr/>
+          <p:nvPr/>
+        </p:nvCxnSpPr>
+        <p:spPr>
+          <a:xfrm>
+            <a:off x="893311" y="2832505"/>
+            <a:ext cx="419548" cy="2860"/>
+          </a:xfrm>
+          <a:prstGeom prst="bentConnector3">
+            <a:avLst>
+              <a:gd name="adj1" fmla="val 50000"/>
+            </a:avLst>
+          </a:prstGeom>
+          <a:ln w="19050">
+            <a:solidFill>
+              <a:schemeClr val="bg1">
+                <a:lumMod val="75000"/>
+              </a:schemeClr>
+            </a:solidFill>
+            <a:prstDash val="sysDot"/>
+            <a:headEnd type="none" w="med" len="med"/>
+            <a:tailEnd type="arrow" w="med" len="med"/>
+          </a:ln>
+          <a:effectLst/>
+        </p:spPr>
+        <p:style>
+          <a:lnRef idx="1">
+            <a:schemeClr val="accent2"/>
+          </a:lnRef>
+          <a:fillRef idx="2">
+            <a:schemeClr val="accent2"/>
+          </a:fillRef>
+          <a:effectRef idx="1">
+            <a:schemeClr val="accent2"/>
+          </a:effectRef>
+          <a:fontRef idx="minor">
+            <a:schemeClr val="dk1"/>
+          </a:fontRef>
+        </p:style>
+      </p:cxnSp>
+      <p:cxnSp>
+        <p:nvCxnSpPr>
+          <p:cNvPr id="25" name="Elbow Connector 63"/>
+          <p:cNvCxnSpPr>
+            <a:endCxn id="12" idx="1"/>
+          </p:cNvCxnSpPr>
+          <p:nvPr/>
+        </p:nvCxnSpPr>
+        <p:spPr>
+          <a:xfrm>
+            <a:off x="2281833" y="3939492"/>
+            <a:ext cx="4695039" cy="382928"/>
+          </a:xfrm>
+          <a:prstGeom prst="bentConnector3">
+            <a:avLst>
+              <a:gd name="adj1" fmla="val -81"/>
+            </a:avLst>
+          </a:prstGeom>
+          <a:ln w="19050">
+            <a:solidFill>
+              <a:srgbClr val="0070C0"/>
+            </a:solidFill>
+            <a:prstDash val="sysDot"/>
+            <a:headEnd type="none" w="med" len="med"/>
+            <a:tailEnd type="arrow" w="med" len="med"/>
+          </a:ln>
+          <a:effectLst/>
+        </p:spPr>
+        <p:style>
+          <a:lnRef idx="1">
+            <a:schemeClr val="accent2"/>
+          </a:lnRef>
+          <a:fillRef idx="2">
+            <a:schemeClr val="accent2"/>
+          </a:fillRef>
+          <a:effectRef idx="1">
+            <a:schemeClr val="accent2"/>
+          </a:effectRef>
+          <a:fontRef idx="minor">
+            <a:schemeClr val="dk1"/>
+          </a:fontRef>
+        </p:style>
+      </p:cxnSp>
+      <p:grpSp>
+        <p:nvGrpSpPr>
+          <p:cNvPr id="26" name="Group 25"/>
+          <p:cNvGrpSpPr/>
+          <p:nvPr/>
+        </p:nvGrpSpPr>
+        <p:grpSpPr>
+          <a:xfrm>
+            <a:off x="4596573" y="4147210"/>
+            <a:ext cx="889000" cy="230832"/>
+            <a:chOff x="2895600" y="807932"/>
+            <a:chExt cx="889000" cy="230832"/>
+          </a:xfrm>
+        </p:grpSpPr>
+        <p:sp>
+          <p:nvSpPr>
+            <p:cNvPr id="27" name="TextBox 26"/>
+            <p:cNvSpPr txBox="1"/>
+            <p:nvPr/>
+          </p:nvSpPr>
+          <p:spPr>
+            <a:xfrm>
+              <a:off x="2895600" y="807932"/>
+              <a:ext cx="728806" cy="230832"/>
+            </a:xfrm>
+            <a:prstGeom prst="rect">
+              <a:avLst/>
+            </a:prstGeom>
+            <a:noFill/>
+          </p:spPr>
+          <p:txBody>
+            <a:bodyPr wrap="square" lIns="0" tIns="0" rIns="0" bIns="0" rtlCol="0">
+              <a:noAutofit/>
+            </a:bodyPr>
+            <a:lstStyle/>
+            <a:p>
+              <a:pPr algn="r"/>
+              <a:r>
+                <a:rPr lang="en-US" sz="1100" dirty="0">
+                  <a:solidFill>
+                    <a:srgbClr val="0070C0"/>
+                  </a:solidFill>
+                </a:rPr>
+                <a:t>executes</a:t>
+              </a:r>
+              <a:endParaRPr lang="en-SG" sz="1100" dirty="0">
+                <a:solidFill>
+                  <a:srgbClr val="0070C0"/>
+                </a:solidFill>
+              </a:endParaRPr>
+            </a:p>
+          </p:txBody>
+        </p:sp>
+        <p:sp>
+          <p:nvSpPr>
+            <p:cNvPr id="28" name="Isosceles Triangle 27"/>
+            <p:cNvSpPr/>
+            <p:nvPr/>
+          </p:nvSpPr>
+          <p:spPr>
+            <a:xfrm rot="5400000">
+              <a:off x="3683524" y="866776"/>
+              <a:ext cx="125951" cy="76201"/>
+            </a:xfrm>
+            <a:prstGeom prst="triangle">
+              <a:avLst/>
+            </a:prstGeom>
+            <a:solidFill>
+              <a:srgbClr val="0070C0"/>
+            </a:solidFill>
+            <a:ln>
+              <a:noFill/>
+            </a:ln>
+          </p:spPr>
+          <p:style>
+            <a:lnRef idx="2">
+              <a:schemeClr val="accent1">
+                <a:shade val="50000"/>
+              </a:schemeClr>
+            </a:lnRef>
+            <a:fillRef idx="1">
+              <a:schemeClr val="accent1"/>
+            </a:fillRef>
+            <a:effectRef idx="0">
+              <a:schemeClr val="accent1"/>
+            </a:effectRef>
+            <a:fontRef idx="minor">
+              <a:schemeClr val="lt1"/>
+            </a:fontRef>
+          </p:style>
+          <p:txBody>
+            <a:bodyPr rtlCol="0" anchor="ctr"/>
+            <a:lstStyle/>
+            <a:p>
+              <a:pPr algn="ctr"/>
+              <a:endParaRPr lang="en-SG"/>
+            </a:p>
+          </p:txBody>
+        </p:sp>
+      </p:grpSp>
+      <p:grpSp>
+        <p:nvGrpSpPr>
+          <p:cNvPr id="29" name="Group 28"/>
+          <p:cNvGrpSpPr/>
+          <p:nvPr/>
+        </p:nvGrpSpPr>
+        <p:grpSpPr>
+          <a:xfrm>
+            <a:off x="4665110" y="1219200"/>
+            <a:ext cx="868568" cy="230832"/>
+            <a:chOff x="2755838" y="789460"/>
+            <a:chExt cx="868568" cy="230832"/>
+          </a:xfrm>
+        </p:grpSpPr>
+        <p:sp>
+          <p:nvSpPr>
+            <p:cNvPr id="30" name="TextBox 29"/>
+            <p:cNvSpPr txBox="1"/>
+            <p:nvPr/>
+          </p:nvSpPr>
+          <p:spPr>
+            <a:xfrm>
+              <a:off x="2895600" y="789460"/>
+              <a:ext cx="728806" cy="230832"/>
+            </a:xfrm>
+            <a:prstGeom prst="rect">
+              <a:avLst/>
+            </a:prstGeom>
+            <a:noFill/>
+          </p:spPr>
+          <p:txBody>
+            <a:bodyPr wrap="square" lIns="0" tIns="0" rIns="0" bIns="0" rtlCol="0">
+              <a:noAutofit/>
+            </a:bodyPr>
+            <a:lstStyle/>
+            <a:p>
+              <a:r>
+                <a:rPr lang="en-US" sz="1100" dirty="0">
+                  <a:solidFill>
+                    <a:srgbClr val="0070C0"/>
+                  </a:solidFill>
+                </a:rPr>
+                <a:t>produces</a:t>
+              </a:r>
+              <a:endParaRPr lang="en-SG" sz="1100" dirty="0">
+                <a:solidFill>
+                  <a:srgbClr val="0070C0"/>
+                </a:solidFill>
+              </a:endParaRPr>
+            </a:p>
+          </p:txBody>
+        </p:sp>
+        <p:sp>
+          <p:nvSpPr>
+            <p:cNvPr id="31" name="Isosceles Triangle 30"/>
+            <p:cNvSpPr/>
+            <p:nvPr/>
+          </p:nvSpPr>
+          <p:spPr>
+            <a:xfrm rot="16200000" flipH="1">
+              <a:off x="2730963" y="857181"/>
+              <a:ext cx="125951" cy="76201"/>
+            </a:xfrm>
+            <a:prstGeom prst="triangle">
+              <a:avLst/>
+            </a:prstGeom>
+            <a:solidFill>
+              <a:srgbClr val="0070C0"/>
+            </a:solidFill>
+            <a:ln>
+              <a:noFill/>
+            </a:ln>
+          </p:spPr>
+          <p:style>
+            <a:lnRef idx="2">
+              <a:schemeClr val="accent1">
+                <a:shade val="50000"/>
+              </a:schemeClr>
+            </a:lnRef>
+            <a:fillRef idx="1">
+              <a:schemeClr val="accent1"/>
+            </a:fillRef>
+            <a:effectRef idx="0">
+              <a:schemeClr val="accent1"/>
+            </a:effectRef>
+            <a:fontRef idx="minor">
+              <a:schemeClr val="lt1"/>
+            </a:fontRef>
+          </p:style>
+          <p:txBody>
+            <a:bodyPr rtlCol="0" anchor="ctr"/>
+            <a:lstStyle/>
+            <a:p>
+              <a:pPr algn="ctr"/>
+              <a:endParaRPr lang="en-SG"/>
+            </a:p>
+          </p:txBody>
+        </p:sp>
+      </p:grpSp>
+      <p:sp>
+        <p:nvSpPr>
+          <p:cNvPr id="33" name="TextBox 32"/>
+          <p:cNvSpPr txBox="1"/>
+          <p:nvPr/>
+        </p:nvSpPr>
+        <p:spPr>
+          <a:xfrm>
+            <a:off x="3048000" y="3733800"/>
+            <a:ext cx="131116" cy="230832"/>
+          </a:xfrm>
+          <a:prstGeom prst="rect">
+            <a:avLst/>
+          </a:prstGeom>
+          <a:noFill/>
+        </p:spPr>
+        <p:txBody>
+          <a:bodyPr wrap="square" lIns="0" tIns="0" rIns="0" bIns="0" rtlCol="0">
+            <a:noAutofit/>
+          </a:bodyPr>
+          <a:lstStyle/>
+          <a:p>
+            <a:pPr algn="r"/>
+            <a:r>
+              <a:rPr lang="en-US" sz="1100" dirty="0">
+                <a:solidFill>
+                  <a:srgbClr val="0070C0"/>
+                </a:solidFill>
+              </a:rPr>
+              <a:t>1</a:t>
+            </a:r>
+            <a:endParaRPr lang="en-SG" sz="1100" dirty="0">
+              <a:solidFill>
+                <a:srgbClr val="0070C0"/>
+              </a:solidFill>
+            </a:endParaRPr>
+          </a:p>
+        </p:txBody>
+      </p:sp>
+      <p:cxnSp>
+        <p:nvCxnSpPr>
+          <p:cNvPr id="39" name="Elbow Connector 122"/>
+          <p:cNvCxnSpPr/>
+          <p:nvPr/>
+        </p:nvCxnSpPr>
+        <p:spPr>
+          <a:xfrm rot="5400000" flipH="1" flipV="1">
+            <a:off x="1193276" y="2601868"/>
+            <a:ext cx="1969553" cy="2764"/>
+          </a:xfrm>
+          <a:prstGeom prst="bentConnector3">
+            <a:avLst>
+              <a:gd name="adj1" fmla="val 50000"/>
+            </a:avLst>
+          </a:prstGeom>
+          <a:ln w="19050">
+            <a:solidFill>
+              <a:srgbClr val="0070C0"/>
+            </a:solidFill>
+            <a:prstDash val="sysDot"/>
+            <a:headEnd type="none" w="med" len="med"/>
+            <a:tailEnd type="arrow" w="med" len="med"/>
+          </a:ln>
+          <a:effectLst/>
+        </p:spPr>
+        <p:style>
+          <a:lnRef idx="1">
+            <a:schemeClr val="accent2"/>
+          </a:lnRef>
+          <a:fillRef idx="2">
+            <a:schemeClr val="accent2"/>
+          </a:fillRef>
+          <a:effectRef idx="1">
+            <a:schemeClr val="accent2"/>
+          </a:effectRef>
+          <a:fontRef idx="minor">
+            <a:schemeClr val="dk1"/>
+          </a:fontRef>
+        </p:style>
+      </p:cxnSp>
+      <p:sp>
+        <p:nvSpPr>
+          <p:cNvPr id="56" name="Rectangle 62"/>
+          <p:cNvSpPr/>
+          <p:nvPr/>
+        </p:nvSpPr>
+        <p:spPr>
+          <a:xfrm>
+            <a:off x="3174214" y="1862795"/>
+            <a:ext cx="751107" cy="346760"/>
+          </a:xfrm>
+          <a:prstGeom prst="rect">
+            <a:avLst/>
+          </a:prstGeom>
+          <a:solidFill>
+            <a:schemeClr val="accent5">
+              <a:lumMod val="60000"/>
+              <a:lumOff val="40000"/>
+            </a:schemeClr>
+          </a:solidFill>
+          <a:ln w="19050">
+            <a:solidFill>
+              <a:schemeClr val="accent5">
+                <a:lumMod val="60000"/>
+                <a:lumOff val="40000"/>
+              </a:schemeClr>
+            </a:solidFill>
+          </a:ln>
+          <a:effectLst/>
+        </p:spPr>
+        <p:style>
+          <a:lnRef idx="1">
+            <a:schemeClr val="accent2"/>
+          </a:lnRef>
+          <a:fillRef idx="2">
+            <a:schemeClr val="accent2"/>
+          </a:fillRef>
+          <a:effectRef idx="1">
+            <a:schemeClr val="accent2"/>
+          </a:effectRef>
+          <a:fontRef idx="minor">
+            <a:schemeClr val="dk1"/>
+          </a:fontRef>
+        </p:style>
+        <p:txBody>
+          <a:bodyPr rtlCol="0" anchor="ctr"/>
+          <a:lstStyle/>
+          <a:p>
+            <a:pPr algn="ctr"/>
+            <a:r>
+              <a:rPr lang="en-US" sz="1050">
+                <a:solidFill>
+                  <a:schemeClr val="bg1"/>
+                </a:solidFill>
+              </a:rPr>
+              <a:t>Argument</a:t>
+            </a:r>
+            <a:br>
+              <a:rPr lang="en-US" sz="1050">
+                <a:solidFill>
+                  <a:schemeClr val="bg1"/>
+                </a:solidFill>
+              </a:rPr>
+            </a:br>
+            <a:r>
+              <a:rPr lang="en-US" sz="1050">
+                <a:solidFill>
+                  <a:schemeClr val="bg1"/>
+                </a:solidFill>
+              </a:rPr>
+              <a:t>Tokenizer</a:t>
+            </a:r>
+            <a:endParaRPr lang="en-SG" sz="1050" dirty="0">
+              <a:solidFill>
+                <a:schemeClr val="bg1"/>
+              </a:solidFill>
+            </a:endParaRPr>
+          </a:p>
+        </p:txBody>
+      </p:sp>
+      <p:sp>
+        <p:nvSpPr>
+          <p:cNvPr id="58" name="Rectangle 62"/>
+          <p:cNvSpPr/>
+          <p:nvPr/>
+        </p:nvSpPr>
+        <p:spPr>
+          <a:xfrm>
+            <a:off x="2238496" y="2454481"/>
+            <a:ext cx="726243" cy="174580"/>
+          </a:xfrm>
+          <a:prstGeom prst="rect">
+            <a:avLst/>
+          </a:prstGeom>
+          <a:solidFill>
+            <a:schemeClr val="accent5">
+              <a:lumMod val="60000"/>
+              <a:lumOff val="40000"/>
+            </a:schemeClr>
+          </a:solidFill>
+          <a:ln w="19050">
+            <a:solidFill>
+              <a:schemeClr val="accent5">
+                <a:lumMod val="60000"/>
+                <a:lumOff val="40000"/>
+              </a:schemeClr>
+            </a:solidFill>
+          </a:ln>
+          <a:effectLst/>
+        </p:spPr>
+        <p:style>
+          <a:lnRef idx="1">
+            <a:schemeClr val="accent2"/>
+          </a:lnRef>
+          <a:fillRef idx="2">
+            <a:schemeClr val="accent2"/>
+          </a:fillRef>
+          <a:effectRef idx="1">
+            <a:schemeClr val="accent2"/>
+          </a:effectRef>
+          <a:fontRef idx="minor">
+            <a:schemeClr val="dk1"/>
+          </a:fontRef>
+        </p:style>
+        <p:txBody>
+          <a:bodyPr rtlCol="0" anchor="ctr"/>
+          <a:lstStyle/>
+          <a:p>
+            <a:pPr algn="ctr"/>
+            <a:r>
+              <a:rPr lang="en-US" sz="1050" dirty="0">
+                <a:solidFill>
+                  <a:schemeClr val="bg1"/>
+                </a:solidFill>
+              </a:rPr>
+              <a:t>Prefix</a:t>
+            </a:r>
+            <a:endParaRPr lang="en-SG" sz="1050" dirty="0">
+              <a:solidFill>
+                <a:schemeClr val="bg1"/>
+              </a:solidFill>
+            </a:endParaRPr>
+          </a:p>
+        </p:txBody>
+      </p:sp>
+      <p:sp>
+        <p:nvSpPr>
+          <p:cNvPr id="60" name="Rectangle 62"/>
+          <p:cNvSpPr/>
+          <p:nvPr/>
+        </p:nvSpPr>
+        <p:spPr>
+          <a:xfrm>
+            <a:off x="3186326" y="2841725"/>
+            <a:ext cx="731636" cy="283820"/>
+          </a:xfrm>
+          <a:prstGeom prst="rect">
+            <a:avLst/>
+          </a:prstGeom>
+          <a:solidFill>
+            <a:schemeClr val="accent5">
+              <a:lumMod val="60000"/>
+              <a:lumOff val="40000"/>
+            </a:schemeClr>
+          </a:solidFill>
+          <a:ln w="19050">
+            <a:solidFill>
+              <a:schemeClr val="accent5">
+                <a:lumMod val="60000"/>
+                <a:lumOff val="40000"/>
+              </a:schemeClr>
+            </a:solidFill>
+          </a:ln>
+          <a:effectLst/>
+        </p:spPr>
+        <p:style>
+          <a:lnRef idx="1">
+            <a:schemeClr val="accent2"/>
+          </a:lnRef>
+          <a:fillRef idx="2">
+            <a:schemeClr val="accent2"/>
+          </a:fillRef>
+          <a:effectRef idx="1">
+            <a:schemeClr val="accent2"/>
+          </a:effectRef>
+          <a:fontRef idx="minor">
+            <a:schemeClr val="dk1"/>
+          </a:fontRef>
+        </p:style>
+        <p:txBody>
+          <a:bodyPr rtlCol="0" anchor="ctr"/>
+          <a:lstStyle/>
+          <a:p>
+            <a:pPr algn="ctr"/>
+            <a:r>
+              <a:rPr lang="en-SG" sz="1050" dirty="0" err="1">
+                <a:solidFill>
+                  <a:schemeClr val="bg1"/>
+                </a:solidFill>
+              </a:rPr>
+              <a:t>CliSyntax</a:t>
+            </a:r>
+            <a:endParaRPr lang="en-SG" sz="1050" dirty="0">
+              <a:solidFill>
+                <a:schemeClr val="bg1"/>
+              </a:solidFill>
+            </a:endParaRPr>
+          </a:p>
+        </p:txBody>
+      </p:sp>
+      <p:sp>
+        <p:nvSpPr>
+          <p:cNvPr id="62" name="Rectangle 62"/>
+          <p:cNvSpPr/>
+          <p:nvPr/>
+        </p:nvSpPr>
+        <p:spPr>
+          <a:xfrm>
+            <a:off x="3186326" y="3190882"/>
+            <a:ext cx="731636" cy="283820"/>
+          </a:xfrm>
+          <a:prstGeom prst="rect">
+            <a:avLst/>
+          </a:prstGeom>
+          <a:solidFill>
+            <a:schemeClr val="accent5">
+              <a:lumMod val="60000"/>
+              <a:lumOff val="40000"/>
+            </a:schemeClr>
+          </a:solidFill>
+          <a:ln w="19050">
+            <a:solidFill>
+              <a:schemeClr val="accent5">
+                <a:lumMod val="60000"/>
+                <a:lumOff val="40000"/>
+              </a:schemeClr>
+            </a:solidFill>
+          </a:ln>
+          <a:effectLst/>
+        </p:spPr>
+        <p:style>
+          <a:lnRef idx="1">
+            <a:schemeClr val="accent2"/>
+          </a:lnRef>
+          <a:fillRef idx="2">
+            <a:schemeClr val="accent2"/>
+          </a:fillRef>
+          <a:effectRef idx="1">
+            <a:schemeClr val="accent2"/>
+          </a:effectRef>
+          <a:fontRef idx="minor">
+            <a:schemeClr val="dk1"/>
+          </a:fontRef>
+        </p:style>
+        <p:txBody>
+          <a:bodyPr rtlCol="0" anchor="ctr"/>
+          <a:lstStyle/>
+          <a:p>
+            <a:pPr algn="ctr"/>
+            <a:r>
+              <a:rPr lang="en-SG" sz="1050" dirty="0" err="1">
+                <a:solidFill>
+                  <a:schemeClr val="bg1"/>
+                </a:solidFill>
+              </a:rPr>
+              <a:t>ParserUtil</a:t>
+            </a:r>
+            <a:endParaRPr lang="en-SG" sz="1050" dirty="0">
+              <a:solidFill>
+                <a:schemeClr val="bg1"/>
+              </a:solidFill>
+            </a:endParaRPr>
+          </a:p>
+        </p:txBody>
+      </p:sp>
+      <p:cxnSp>
+        <p:nvCxnSpPr>
+          <p:cNvPr id="13" name="Elbow Connector 12"/>
+          <p:cNvCxnSpPr>
+            <a:cxnSpLocks/>
+            <a:stCxn id="60" idx="1"/>
+            <a:endCxn id="58" idx="2"/>
+          </p:cNvCxnSpPr>
+          <p:nvPr/>
+        </p:nvCxnSpPr>
+        <p:spPr>
+          <a:xfrm rot="10800000">
+            <a:off x="2601618" y="2629061"/>
+            <a:ext cx="584708" cy="354574"/>
+          </a:xfrm>
+          <a:prstGeom prst="bentConnector2">
+            <a:avLst/>
+          </a:prstGeom>
+          <a:ln w="19050">
+            <a:solidFill>
+              <a:schemeClr val="accent5">
+                <a:lumMod val="60000"/>
+                <a:lumOff val="40000"/>
+              </a:schemeClr>
+            </a:solidFill>
+            <a:prstDash val="sysDot"/>
+            <a:headEnd type="none" w="med" len="med"/>
+            <a:tailEnd type="arrow" w="med" len="med"/>
+          </a:ln>
+          <a:effectLst/>
+        </p:spPr>
+        <p:style>
+          <a:lnRef idx="1">
+            <a:schemeClr val="accent2"/>
+          </a:lnRef>
+          <a:fillRef idx="2">
+            <a:schemeClr val="accent2"/>
+          </a:fillRef>
+          <a:effectRef idx="1">
+            <a:schemeClr val="accent2"/>
+          </a:effectRef>
+          <a:fontRef idx="minor">
+            <a:schemeClr val="dk1"/>
+          </a:fontRef>
+        </p:style>
+      </p:cxnSp>
+      <p:cxnSp>
+        <p:nvCxnSpPr>
+          <p:cNvPr id="50" name="Elbow Connector 49"/>
+          <p:cNvCxnSpPr>
+            <a:cxnSpLocks/>
+            <a:stCxn id="56" idx="1"/>
+            <a:endCxn id="58" idx="0"/>
+          </p:cNvCxnSpPr>
+          <p:nvPr/>
+        </p:nvCxnSpPr>
+        <p:spPr>
+          <a:xfrm rot="10800000" flipV="1">
+            <a:off x="2601618" y="2036175"/>
+            <a:ext cx="572596" cy="418306"/>
+          </a:xfrm>
+          <a:prstGeom prst="bentConnector2">
+            <a:avLst/>
+          </a:prstGeom>
+          <a:ln w="19050">
+            <a:solidFill>
+              <a:schemeClr val="accent5">
+                <a:lumMod val="60000"/>
+                <a:lumOff val="40000"/>
+              </a:schemeClr>
+            </a:solidFill>
+            <a:prstDash val="sysDot"/>
+            <a:headEnd type="none" w="med" len="med"/>
+            <a:tailEnd type="arrow" w="med" len="med"/>
+          </a:ln>
+          <a:effectLst/>
+        </p:spPr>
+        <p:style>
+          <a:lnRef idx="1">
+            <a:schemeClr val="accent2"/>
+          </a:lnRef>
+          <a:fillRef idx="2">
+            <a:schemeClr val="accent2"/>
+          </a:fillRef>
+          <a:effectRef idx="1">
+            <a:schemeClr val="accent2"/>
+          </a:effectRef>
+          <a:fontRef idx="minor">
+            <a:schemeClr val="dk1"/>
+          </a:fontRef>
+        </p:style>
+      </p:cxnSp>
+      <p:grpSp>
+        <p:nvGrpSpPr>
+          <p:cNvPr id="68" name="Group 67"/>
+          <p:cNvGrpSpPr/>
+          <p:nvPr/>
+        </p:nvGrpSpPr>
+        <p:grpSpPr>
+          <a:xfrm rot="10800000">
+            <a:off x="4687086" y="3784757"/>
+            <a:ext cx="555486" cy="254462"/>
+            <a:chOff x="3703306" y="644022"/>
+            <a:chExt cx="555486" cy="230832"/>
+          </a:xfrm>
+        </p:grpSpPr>
+        <p:sp>
+          <p:nvSpPr>
+            <p:cNvPr id="69" name="TextBox 68"/>
+            <p:cNvSpPr txBox="1"/>
+            <p:nvPr/>
+          </p:nvSpPr>
+          <p:spPr>
+            <a:xfrm rot="10800000">
+              <a:off x="3703306" y="644022"/>
+              <a:ext cx="555486" cy="230832"/>
+            </a:xfrm>
+            <a:prstGeom prst="rect">
+              <a:avLst/>
+            </a:prstGeom>
+            <a:noFill/>
+          </p:spPr>
+          <p:txBody>
+            <a:bodyPr wrap="square" lIns="0" tIns="0" rIns="0" bIns="0" rtlCol="0">
+              <a:noAutofit/>
+            </a:bodyPr>
+            <a:lstStyle/>
+            <a:p>
+              <a:r>
+                <a:rPr lang="en-US" sz="1100" dirty="0">
+                  <a:solidFill>
+                    <a:schemeClr val="accent5">
+                      <a:lumMod val="75000"/>
+                    </a:schemeClr>
+                  </a:solidFill>
+                </a:rPr>
+                <a:t>creates</a:t>
+              </a:r>
+              <a:endParaRPr lang="en-SG" sz="1100" dirty="0">
+                <a:solidFill>
+                  <a:schemeClr val="accent5">
+                    <a:lumMod val="75000"/>
+                  </a:schemeClr>
+                </a:solidFill>
+              </a:endParaRPr>
+            </a:p>
+          </p:txBody>
+        </p:sp>
+        <p:sp>
+          <p:nvSpPr>
+            <p:cNvPr id="70" name="Isosceles Triangle 69"/>
+            <p:cNvSpPr/>
+            <p:nvPr/>
+          </p:nvSpPr>
+          <p:spPr>
+            <a:xfrm rot="5400000" flipV="1">
+              <a:off x="3700294" y="741689"/>
+              <a:ext cx="119885" cy="88141"/>
+            </a:xfrm>
+            <a:prstGeom prst="triangle">
+              <a:avLst/>
+            </a:prstGeom>
+            <a:solidFill>
+              <a:schemeClr val="accent5">
+                <a:lumMod val="75000"/>
+              </a:schemeClr>
+            </a:solidFill>
+            <a:ln>
+              <a:noFill/>
+            </a:ln>
+          </p:spPr>
+          <p:style>
+            <a:lnRef idx="2">
+              <a:schemeClr val="accent1">
+                <a:shade val="50000"/>
+              </a:schemeClr>
+            </a:lnRef>
+            <a:fillRef idx="1">
+              <a:schemeClr val="accent1"/>
+            </a:fillRef>
+            <a:effectRef idx="0">
+              <a:schemeClr val="accent1"/>
+            </a:effectRef>
+            <a:fontRef idx="minor">
+              <a:schemeClr val="lt1"/>
+            </a:fontRef>
+          </p:style>
+          <p:txBody>
+            <a:bodyPr rtlCol="0" anchor="ctr"/>
+            <a:lstStyle/>
+            <a:p>
+              <a:pPr algn="ctr"/>
+              <a:endParaRPr lang="en-SG"/>
+            </a:p>
+          </p:txBody>
+        </p:sp>
+      </p:grpSp>
+      <p:sp>
+        <p:nvSpPr>
+          <p:cNvPr id="87" name="Isosceles Triangle 102"/>
+          <p:cNvSpPr/>
+          <p:nvPr/>
+        </p:nvSpPr>
+        <p:spPr>
+          <a:xfrm flipV="1">
+            <a:off x="7227643" y="3980475"/>
+            <a:ext cx="270504" cy="175523"/>
+          </a:xfrm>
+          <a:prstGeom prst="triangle">
+            <a:avLst/>
+          </a:prstGeom>
+          <a:solidFill>
+            <a:schemeClr val="tx2">
+              <a:lumMod val="60000"/>
+              <a:lumOff val="40000"/>
+            </a:schemeClr>
+          </a:solidFill>
+          <a:ln w="19050">
+            <a:solidFill>
+              <a:srgbClr val="0070C0"/>
+            </a:solidFill>
+          </a:ln>
+          <a:effectLst/>
+        </p:spPr>
+        <p:style>
+          <a:lnRef idx="1">
+            <a:schemeClr val="accent1"/>
+          </a:lnRef>
+          <a:fillRef idx="2">
+            <a:schemeClr val="accent1"/>
+          </a:fillRef>
+          <a:effectRef idx="1">
+            <a:schemeClr val="accent1"/>
+          </a:effectRef>
+          <a:fontRef idx="minor">
+            <a:schemeClr val="dk1"/>
+          </a:fontRef>
+        </p:style>
+        <p:txBody>
+          <a:bodyPr rtlCol="0" anchor="ctr"/>
+          <a:lstStyle/>
+          <a:p>
+            <a:pPr algn="ctr"/>
+            <a:endParaRPr lang="en-SG" sz="1050" b="1">
+              <a:solidFill>
+                <a:srgbClr val="92D050"/>
+              </a:solidFill>
+            </a:endParaRPr>
+          </a:p>
+        </p:txBody>
+      </p:sp>
+      <p:cxnSp>
+        <p:nvCxnSpPr>
+          <p:cNvPr id="96" name="Elbow Connector 95"/>
+          <p:cNvCxnSpPr>
+            <a:stCxn id="87" idx="3"/>
+            <a:endCxn id="4" idx="2"/>
+          </p:cNvCxnSpPr>
+          <p:nvPr/>
+        </p:nvCxnSpPr>
+        <p:spPr>
+          <a:xfrm rot="5400000" flipH="1" flipV="1">
+            <a:off x="6916385" y="3533423"/>
+            <a:ext cx="893563" cy="542"/>
+          </a:xfrm>
+          <a:prstGeom prst="bentConnector3">
+            <a:avLst>
+              <a:gd name="adj1" fmla="val 50000"/>
+            </a:avLst>
+          </a:prstGeom>
+          <a:ln w="19050">
+            <a:headEnd type="none" w="med" len="med"/>
+            <a:tailEnd type="none" w="med" len="med"/>
+          </a:ln>
+        </p:spPr>
+        <p:style>
+          <a:lnRef idx="1">
+            <a:schemeClr val="accent1"/>
+          </a:lnRef>
+          <a:fillRef idx="0">
+            <a:schemeClr val="accent1"/>
+          </a:fillRef>
+          <a:effectRef idx="0">
+            <a:schemeClr val="accent1"/>
+          </a:effectRef>
+          <a:fontRef idx="minor">
+            <a:schemeClr val="tx1"/>
+          </a:fontRef>
+        </p:style>
+      </p:cxnSp>
+      <p:cxnSp>
+        <p:nvCxnSpPr>
+          <p:cNvPr id="122" name="Elbow Connector 63"/>
+          <p:cNvCxnSpPr>
+            <a:cxnSpLocks/>
+            <a:stCxn id="42" idx="1"/>
+            <a:endCxn id="4" idx="3"/>
+          </p:cNvCxnSpPr>
+          <p:nvPr/>
+        </p:nvCxnSpPr>
+        <p:spPr>
+          <a:xfrm flipV="1">
+            <a:off x="6066328" y="2913532"/>
+            <a:ext cx="811946" cy="659"/>
+          </a:xfrm>
+          <a:prstGeom prst="bentConnector3">
+            <a:avLst>
+              <a:gd name="adj1" fmla="val 50000"/>
+            </a:avLst>
+          </a:prstGeom>
+          <a:ln w="19050">
+            <a:solidFill>
+              <a:schemeClr val="accent5">
+                <a:lumMod val="75000"/>
+              </a:schemeClr>
+            </a:solidFill>
+            <a:prstDash val="sysDot"/>
+            <a:headEnd type="none" w="med" len="med"/>
+            <a:tailEnd type="arrow" w="med" len="med"/>
+          </a:ln>
+          <a:effectLst/>
+        </p:spPr>
+        <p:style>
+          <a:lnRef idx="1">
+            <a:schemeClr val="accent2"/>
+          </a:lnRef>
+          <a:fillRef idx="2">
+            <a:schemeClr val="accent2"/>
+          </a:fillRef>
+          <a:effectRef idx="1">
+            <a:schemeClr val="accent2"/>
+          </a:effectRef>
+          <a:fontRef idx="minor">
+            <a:schemeClr val="dk1"/>
+          </a:fontRef>
+        </p:style>
+      </p:cxnSp>
+      <p:sp>
+        <p:nvSpPr>
+          <p:cNvPr id="109" name="Rectangle 62"/>
+          <p:cNvSpPr/>
+          <p:nvPr/>
+        </p:nvSpPr>
+        <p:spPr>
+          <a:xfrm>
+            <a:off x="3174214" y="2370131"/>
+            <a:ext cx="750156" cy="340758"/>
+          </a:xfrm>
+          <a:prstGeom prst="rect">
+            <a:avLst/>
+          </a:prstGeom>
+          <a:solidFill>
+            <a:schemeClr val="accent5">
+              <a:lumMod val="60000"/>
+              <a:lumOff val="40000"/>
+            </a:schemeClr>
+          </a:solidFill>
+          <a:ln w="19050">
+            <a:solidFill>
+              <a:schemeClr val="accent5">
+                <a:lumMod val="60000"/>
+                <a:lumOff val="40000"/>
+              </a:schemeClr>
+            </a:solidFill>
+          </a:ln>
+          <a:effectLst/>
+        </p:spPr>
+        <p:style>
+          <a:lnRef idx="1">
+            <a:schemeClr val="accent2"/>
+          </a:lnRef>
+          <a:fillRef idx="2">
+            <a:schemeClr val="accent2"/>
+          </a:fillRef>
+          <a:effectRef idx="1">
+            <a:schemeClr val="accent2"/>
+          </a:effectRef>
+          <a:fontRef idx="minor">
+            <a:schemeClr val="dk1"/>
+          </a:fontRef>
+        </p:style>
+        <p:txBody>
+          <a:bodyPr rtlCol="0" anchor="ctr"/>
+          <a:lstStyle/>
+          <a:p>
+            <a:pPr algn="ctr"/>
+            <a:r>
+              <a:rPr lang="en-SG" sz="1050" dirty="0">
+                <a:solidFill>
+                  <a:schemeClr val="bg1"/>
+                </a:solidFill>
+              </a:rPr>
+              <a:t>Argument</a:t>
+            </a:r>
+            <a:br>
+              <a:rPr lang="en-SG" sz="1050" dirty="0">
+                <a:solidFill>
+                  <a:schemeClr val="bg1"/>
+                </a:solidFill>
+              </a:rPr>
+            </a:br>
+            <a:r>
+              <a:rPr lang="en-SG" sz="1050" dirty="0">
+                <a:solidFill>
+                  <a:schemeClr val="bg1"/>
+                </a:solidFill>
+              </a:rPr>
+              <a:t>Multimap</a:t>
+            </a:r>
+          </a:p>
+        </p:txBody>
+      </p:sp>
+      <p:cxnSp>
+        <p:nvCxnSpPr>
+          <p:cNvPr id="112" name="Elbow Connector 12"/>
+          <p:cNvCxnSpPr>
+            <a:cxnSpLocks/>
+            <a:stCxn id="109" idx="1"/>
+            <a:endCxn id="58" idx="3"/>
+          </p:cNvCxnSpPr>
+          <p:nvPr/>
+        </p:nvCxnSpPr>
+        <p:spPr>
+          <a:xfrm rot="10800000" flipV="1">
+            <a:off x="2964740" y="2540509"/>
+            <a:ext cx="209475" cy="1261"/>
+          </a:xfrm>
+          <a:prstGeom prst="bentConnector3">
+            <a:avLst>
+              <a:gd name="adj1" fmla="val 50000"/>
+            </a:avLst>
+          </a:prstGeom>
+          <a:ln w="19050">
+            <a:solidFill>
+              <a:schemeClr val="accent5">
+                <a:lumMod val="60000"/>
+                <a:lumOff val="40000"/>
+              </a:schemeClr>
+            </a:solidFill>
+            <a:prstDash val="sysDot"/>
+            <a:headEnd type="none" w="med" len="med"/>
+            <a:tailEnd type="arrow" w="med" len="med"/>
+          </a:ln>
+          <a:effectLst/>
+        </p:spPr>
+        <p:style>
+          <a:lnRef idx="1">
+            <a:schemeClr val="accent2"/>
+          </a:lnRef>
+          <a:fillRef idx="2">
+            <a:schemeClr val="accent2"/>
+          </a:fillRef>
+          <a:effectRef idx="1">
+            <a:schemeClr val="accent2"/>
+          </a:effectRef>
+          <a:fontRef idx="minor">
+            <a:schemeClr val="dk1"/>
+          </a:fontRef>
+        </p:style>
+      </p:cxnSp>
+      <p:cxnSp>
+        <p:nvCxnSpPr>
+          <p:cNvPr id="118" name="Elbow Connector 49"/>
+          <p:cNvCxnSpPr>
+            <a:cxnSpLocks/>
+            <a:stCxn id="56" idx="2"/>
+            <a:endCxn id="109" idx="0"/>
+          </p:cNvCxnSpPr>
+          <p:nvPr/>
+        </p:nvCxnSpPr>
+        <p:spPr>
+          <a:xfrm rot="5400000">
+            <a:off x="3469242" y="2289605"/>
+            <a:ext cx="160576" cy="476"/>
+          </a:xfrm>
+          <a:prstGeom prst="bentConnector3">
+            <a:avLst>
+              <a:gd name="adj1" fmla="val 50000"/>
+            </a:avLst>
+          </a:prstGeom>
+          <a:ln w="19050">
+            <a:solidFill>
+              <a:schemeClr val="accent5">
+                <a:lumMod val="60000"/>
+                <a:lumOff val="40000"/>
+              </a:schemeClr>
+            </a:solidFill>
+            <a:prstDash val="sysDot"/>
+            <a:headEnd type="none" w="med" len="med"/>
+            <a:tailEnd type="arrow" w="med" len="med"/>
+          </a:ln>
+          <a:effectLst/>
+        </p:spPr>
+        <p:style>
+          <a:lnRef idx="1">
+            <a:schemeClr val="accent2"/>
+          </a:lnRef>
+          <a:fillRef idx="2">
+            <a:schemeClr val="accent2"/>
+          </a:fillRef>
+          <a:effectRef idx="1">
+            <a:schemeClr val="accent2"/>
+          </a:effectRef>
+          <a:fontRef idx="minor">
+            <a:schemeClr val="dk1"/>
+          </a:fontRef>
+        </p:style>
+      </p:cxnSp>
+      <p:sp>
+        <p:nvSpPr>
+          <p:cNvPr id="86" name="Rectangle 62"/>
+          <p:cNvSpPr/>
+          <p:nvPr/>
+        </p:nvSpPr>
+        <p:spPr>
+          <a:xfrm>
+            <a:off x="1295065" y="4183424"/>
+            <a:ext cx="805984" cy="346760"/>
+          </a:xfrm>
+          <a:prstGeom prst="rect">
+            <a:avLst/>
+          </a:prstGeom>
+          <a:solidFill>
+            <a:srgbClr val="0070C0"/>
+          </a:solidFill>
+          <a:ln w="19050">
+            <a:solidFill>
+              <a:srgbClr val="0070C0"/>
+            </a:solidFill>
+          </a:ln>
+          <a:effectLst/>
+        </p:spPr>
+        <p:style>
+          <a:lnRef idx="1">
+            <a:schemeClr val="accent2"/>
+          </a:lnRef>
+          <a:fillRef idx="2">
+            <a:schemeClr val="accent2"/>
+          </a:fillRef>
+          <a:effectRef idx="1">
+            <a:schemeClr val="accent2"/>
+          </a:effectRef>
+          <a:fontRef idx="minor">
+            <a:schemeClr val="dk1"/>
+          </a:fontRef>
+        </p:style>
+        <p:txBody>
+          <a:bodyPr rtlCol="0" anchor="ctr"/>
+          <a:lstStyle/>
+          <a:p>
+            <a:pPr algn="ctr"/>
+            <a:r>
+              <a:rPr lang="en-US" sz="1050" dirty="0">
+                <a:solidFill>
+                  <a:schemeClr val="bg1"/>
+                </a:solidFill>
+              </a:rPr>
+              <a:t>Command</a:t>
+            </a:r>
+          </a:p>
+          <a:p>
+            <a:pPr algn="ctr"/>
+            <a:r>
+              <a:rPr lang="en-US" sz="1050" dirty="0">
+                <a:solidFill>
+                  <a:schemeClr val="bg1"/>
+                </a:solidFill>
+              </a:rPr>
+              <a:t>History</a:t>
+            </a:r>
+            <a:endParaRPr lang="en-SG" sz="1050" dirty="0">
+              <a:solidFill>
+                <a:schemeClr val="bg1"/>
+              </a:solidFill>
+            </a:endParaRPr>
+          </a:p>
+        </p:txBody>
+      </p:sp>
+      <p:cxnSp>
+        <p:nvCxnSpPr>
+          <p:cNvPr id="88" name="Straight Arrow Connector 57"/>
+          <p:cNvCxnSpPr/>
+          <p:nvPr/>
+        </p:nvCxnSpPr>
+        <p:spPr>
+          <a:xfrm>
+            <a:off x="1971157" y="3939492"/>
+            <a:ext cx="2022" cy="240622"/>
+          </a:xfrm>
+          <a:prstGeom prst="straightConnector1">
+            <a:avLst/>
+          </a:prstGeom>
+          <a:ln w="19050">
+            <a:solidFill>
+              <a:srgbClr val="0070C0"/>
+            </a:solidFill>
+            <a:headEnd type="none" w="med" len="med"/>
+            <a:tailEnd type="arrow" w="med" len="med"/>
+          </a:ln>
+          <a:effectLst/>
+        </p:spPr>
+        <p:style>
+          <a:lnRef idx="1">
+            <a:schemeClr val="accent2"/>
+          </a:lnRef>
+          <a:fillRef idx="2">
+            <a:schemeClr val="accent2"/>
+          </a:fillRef>
+          <a:effectRef idx="1">
+            <a:schemeClr val="accent2"/>
+          </a:effectRef>
+          <a:fontRef idx="minor">
+            <a:schemeClr val="dk1"/>
+          </a:fontRef>
+        </p:style>
+      </p:cxnSp>
+      <p:sp>
+        <p:nvSpPr>
+          <p:cNvPr id="91" name="TextBox 90"/>
+          <p:cNvSpPr txBox="1"/>
+          <p:nvPr/>
+        </p:nvSpPr>
+        <p:spPr>
+          <a:xfrm>
+            <a:off x="1773980" y="4000395"/>
+            <a:ext cx="131116" cy="230832"/>
+          </a:xfrm>
+          <a:prstGeom prst="rect">
+            <a:avLst/>
+          </a:prstGeom>
+          <a:noFill/>
+        </p:spPr>
+        <p:txBody>
+          <a:bodyPr wrap="square" lIns="0" tIns="0" rIns="0" bIns="0" rtlCol="0">
+            <a:noAutofit/>
+          </a:bodyPr>
+          <a:lstStyle/>
+          <a:p>
+            <a:pPr algn="r"/>
+            <a:r>
+              <a:rPr lang="en-US" sz="1100" dirty="0">
+                <a:solidFill>
+                  <a:srgbClr val="0070C0"/>
+                </a:solidFill>
+              </a:rPr>
+              <a:t>1</a:t>
+            </a:r>
+            <a:endParaRPr lang="en-SG" sz="1100" dirty="0">
+              <a:solidFill>
+                <a:srgbClr val="0070C0"/>
+              </a:solidFill>
+            </a:endParaRPr>
+          </a:p>
+        </p:txBody>
+      </p:sp>
+      <p:sp>
+        <p:nvSpPr>
+          <p:cNvPr id="97" name="Rectangle 96">
+            <a:extLst>
+              <a:ext uri="{FF2B5EF4-FFF2-40B4-BE49-F238E27FC236}">
+                <a16:creationId xmlns:a16="http://schemas.microsoft.com/office/drawing/2014/main" id="{AADE6A0C-89AB-467B-8CEA-5FCF36CE0D21}"/>
+              </a:ext>
+            </a:extLst>
+          </p:cNvPr>
+          <p:cNvSpPr/>
+          <p:nvPr/>
+        </p:nvSpPr>
+        <p:spPr>
+          <a:xfrm flipH="1">
+            <a:off x="5067626" y="1981200"/>
+            <a:ext cx="998702" cy="346760"/>
+          </a:xfrm>
+          <a:prstGeom prst="rect">
+            <a:avLst/>
+          </a:prstGeom>
+          <a:solidFill>
+            <a:schemeClr val="accent5"/>
+          </a:solidFill>
+          <a:ln/>
+          <a:effectLst/>
+        </p:spPr>
+        <p:style>
+          <a:lnRef idx="1">
+            <a:schemeClr val="accent5"/>
+          </a:lnRef>
+          <a:fillRef idx="2">
+            <a:schemeClr val="accent5"/>
+          </a:fillRef>
+          <a:effectRef idx="1">
+            <a:schemeClr val="accent5"/>
+          </a:effectRef>
+          <a:fontRef idx="minor">
+            <a:schemeClr val="dk1"/>
+          </a:fontRef>
+        </p:style>
+        <p:txBody>
+          <a:bodyPr rtlCol="0" anchor="ctr"/>
+          <a:lstStyle/>
+          <a:p>
+            <a:pPr algn="ctr"/>
+            <a:r>
+              <a:rPr lang="en-US" sz="1050" b="1" dirty="0">
+                <a:solidFill>
+                  <a:schemeClr val="bg1"/>
+                </a:solidFill>
+              </a:rPr>
+              <a:t>&lt;&lt;interface&gt;&gt;</a:t>
+            </a:r>
+          </a:p>
+          <a:p>
+            <a:pPr algn="ctr"/>
+            <a:r>
+              <a:rPr lang="en-US" sz="1050" b="1" dirty="0">
+                <a:solidFill>
+                  <a:schemeClr val="bg1"/>
+                </a:solidFill>
+              </a:rPr>
+              <a:t>Parser</a:t>
+            </a:r>
+            <a:endParaRPr lang="en-SG" sz="1050" b="1" dirty="0">
+              <a:solidFill>
+                <a:schemeClr val="bg1"/>
+              </a:solidFill>
+            </a:endParaRPr>
+          </a:p>
+        </p:txBody>
+      </p:sp>
+      <p:sp>
+        <p:nvSpPr>
+          <p:cNvPr id="75" name="Isosceles Triangle 102"/>
+          <p:cNvSpPr/>
+          <p:nvPr/>
+        </p:nvSpPr>
+        <p:spPr>
+          <a:xfrm flipH="1">
+            <a:off x="5431725" y="2327960"/>
+            <a:ext cx="270504" cy="175523"/>
+          </a:xfrm>
+          <a:prstGeom prst="triangle">
+            <a:avLst/>
+          </a:prstGeom>
+          <a:ln w="12700"/>
+        </p:spPr>
+        <p:style>
+          <a:lnRef idx="2">
+            <a:schemeClr val="accent5">
+              <a:shade val="50000"/>
+            </a:schemeClr>
+          </a:lnRef>
+          <a:fillRef idx="1">
+            <a:schemeClr val="accent5"/>
+          </a:fillRef>
+          <a:effectRef idx="0">
+            <a:schemeClr val="accent5"/>
+          </a:effectRef>
+          <a:fontRef idx="minor">
+            <a:schemeClr val="lt1"/>
+          </a:fontRef>
+        </p:style>
+        <p:txBody>
+          <a:bodyPr rtlCol="0" anchor="ctr"/>
+          <a:lstStyle/>
+          <a:p>
+            <a:pPr algn="ctr"/>
+            <a:endParaRPr lang="en-SG" sz="1050" b="1">
+              <a:solidFill>
+                <a:srgbClr val="92D050"/>
+              </a:solidFill>
+            </a:endParaRPr>
+          </a:p>
+        </p:txBody>
+      </p:sp>
+      <p:grpSp>
+        <p:nvGrpSpPr>
+          <p:cNvPr id="85" name="Group 84"/>
+          <p:cNvGrpSpPr/>
+          <p:nvPr/>
+        </p:nvGrpSpPr>
+        <p:grpSpPr>
+          <a:xfrm rot="5400000">
+            <a:off x="6371505" y="2788428"/>
+            <a:ext cx="222304" cy="598286"/>
+            <a:chOff x="3965759" y="592436"/>
+            <a:chExt cx="254462" cy="503902"/>
+          </a:xfrm>
+        </p:grpSpPr>
+        <p:sp>
+          <p:nvSpPr>
+            <p:cNvPr id="89" name="TextBox 88"/>
+            <p:cNvSpPr txBox="1"/>
+            <p:nvPr/>
+          </p:nvSpPr>
+          <p:spPr>
+            <a:xfrm rot="16200000">
+              <a:off x="3841039" y="717156"/>
+              <a:ext cx="503902" cy="254462"/>
+            </a:xfrm>
+            <a:prstGeom prst="rect">
+              <a:avLst/>
+            </a:prstGeom>
+            <a:noFill/>
+          </p:spPr>
+          <p:txBody>
+            <a:bodyPr wrap="square" lIns="0" tIns="0" rIns="0" bIns="0" rtlCol="0">
+              <a:noAutofit/>
+            </a:bodyPr>
+            <a:lstStyle/>
+            <a:p>
+              <a:r>
+                <a:rPr lang="en-US" sz="1100" dirty="0">
+                  <a:solidFill>
+                    <a:schemeClr val="accent5">
+                      <a:lumMod val="75000"/>
+                    </a:schemeClr>
+                  </a:solidFill>
+                </a:rPr>
+                <a:t>creates</a:t>
+              </a:r>
+              <a:endParaRPr lang="en-SG" sz="1100" dirty="0">
+                <a:solidFill>
+                  <a:schemeClr val="accent5">
+                    <a:lumMod val="75000"/>
+                  </a:schemeClr>
+                </a:solidFill>
+              </a:endParaRPr>
+            </a:p>
+          </p:txBody>
+        </p:sp>
+        <p:sp>
+          <p:nvSpPr>
+            <p:cNvPr id="92" name="Isosceles Triangle 91"/>
+            <p:cNvSpPr/>
+            <p:nvPr/>
+          </p:nvSpPr>
+          <p:spPr>
+            <a:xfrm rot="10800000" flipV="1">
+              <a:off x="3995991" y="631624"/>
+              <a:ext cx="132157" cy="79956"/>
+            </a:xfrm>
+            <a:prstGeom prst="triangle">
+              <a:avLst/>
+            </a:prstGeom>
+            <a:solidFill>
+              <a:schemeClr val="accent5">
+                <a:lumMod val="75000"/>
+              </a:schemeClr>
+            </a:solidFill>
+            <a:ln>
+              <a:noFill/>
+            </a:ln>
+          </p:spPr>
+          <p:style>
+            <a:lnRef idx="2">
+              <a:schemeClr val="accent1">
+                <a:shade val="50000"/>
+              </a:schemeClr>
+            </a:lnRef>
+            <a:fillRef idx="1">
+              <a:schemeClr val="accent1"/>
+            </a:fillRef>
+            <a:effectRef idx="0">
+              <a:schemeClr val="accent1"/>
+            </a:effectRef>
+            <a:fontRef idx="minor">
+              <a:schemeClr val="lt1"/>
+            </a:fontRef>
+          </p:style>
+          <p:txBody>
+            <a:bodyPr rtlCol="0" anchor="ctr"/>
+            <a:lstStyle/>
+            <a:p>
+              <a:pPr algn="ctr"/>
+              <a:endParaRPr lang="en-SG"/>
+            </a:p>
+          </p:txBody>
+        </p:sp>
+      </p:grpSp>
+      <p:cxnSp>
+        <p:nvCxnSpPr>
+          <p:cNvPr id="95" name="Straight Connector 94"/>
+          <p:cNvCxnSpPr/>
+          <p:nvPr/>
+        </p:nvCxnSpPr>
+        <p:spPr>
+          <a:xfrm>
+            <a:off x="2893971" y="3687139"/>
+            <a:ext cx="361447" cy="0"/>
+          </a:xfrm>
+          <a:prstGeom prst="line">
+            <a:avLst/>
+          </a:prstGeom>
+          <a:ln w="19050">
+            <a:solidFill>
+              <a:srgbClr val="0070C0"/>
+            </a:solidFill>
+            <a:prstDash val="solid"/>
+            <a:headEnd type="none" w="med" len="med"/>
+            <a:tailEnd type="arrow" w="med" len="med"/>
+          </a:ln>
+          <a:effectLst/>
+        </p:spPr>
+        <p:style>
+          <a:lnRef idx="1">
+            <a:schemeClr val="accent2"/>
+          </a:lnRef>
+          <a:fillRef idx="2">
+            <a:schemeClr val="accent2"/>
+          </a:fillRef>
+          <a:effectRef idx="1">
+            <a:schemeClr val="accent2"/>
+          </a:effectRef>
+          <a:fontRef idx="minor">
+            <a:schemeClr val="dk1"/>
+          </a:fontRef>
+        </p:style>
+      </p:cxnSp>
+      <p:sp>
+        <p:nvSpPr>
+          <p:cNvPr id="42" name="Rectangle 11"/>
+          <p:cNvSpPr/>
+          <p:nvPr/>
+        </p:nvSpPr>
+        <p:spPr>
+          <a:xfrm flipH="1">
+            <a:off x="5074342" y="2740811"/>
+            <a:ext cx="991986" cy="346760"/>
+          </a:xfrm>
+          <a:prstGeom prst="rect">
+            <a:avLst/>
+          </a:prstGeom>
+          <a:solidFill>
+            <a:schemeClr val="accent5">
+              <a:alpha val="81000"/>
+            </a:schemeClr>
+          </a:solidFill>
+          <a:ln/>
+          <a:effectLst/>
+        </p:spPr>
+        <p:style>
+          <a:lnRef idx="1">
+            <a:schemeClr val="accent5"/>
+          </a:lnRef>
+          <a:fillRef idx="2">
+            <a:schemeClr val="accent5"/>
+          </a:fillRef>
+          <a:effectRef idx="1">
+            <a:schemeClr val="accent5"/>
+          </a:effectRef>
+          <a:fontRef idx="minor">
+            <a:schemeClr val="dk1"/>
+          </a:fontRef>
+        </p:style>
+        <p:txBody>
+          <a:bodyPr rtlCol="0" anchor="ctr"/>
+          <a:lstStyle/>
+          <a:p>
+            <a:pPr algn="ctr"/>
+            <a:r>
+              <a:rPr lang="en-US" sz="1050" b="1" dirty="0" err="1">
+                <a:solidFill>
+                  <a:schemeClr val="bg1"/>
+                </a:solidFill>
+              </a:rPr>
+              <a:t>XYZCommand</a:t>
+            </a:r>
+            <a:endParaRPr lang="en-US" sz="1050" b="1" dirty="0">
+              <a:solidFill>
+                <a:schemeClr val="bg1"/>
+              </a:solidFill>
+            </a:endParaRPr>
+          </a:p>
+          <a:p>
+            <a:pPr algn="ctr"/>
+            <a:r>
+              <a:rPr lang="en-US" sz="1050" b="1" dirty="0">
+                <a:solidFill>
+                  <a:schemeClr val="bg1"/>
+                </a:solidFill>
+              </a:rPr>
+              <a:t>Parser</a:t>
+            </a:r>
+            <a:endParaRPr lang="en-SG" sz="1050" b="1" dirty="0">
+              <a:solidFill>
+                <a:schemeClr val="bg1"/>
+              </a:solidFill>
+            </a:endParaRPr>
+          </a:p>
+        </p:txBody>
+      </p:sp>
+      <p:cxnSp>
+        <p:nvCxnSpPr>
+          <p:cNvPr id="101" name="Elbow Connector 12"/>
+          <p:cNvCxnSpPr>
+            <a:cxnSpLocks/>
+            <a:stCxn id="42" idx="3"/>
+          </p:cNvCxnSpPr>
+          <p:nvPr/>
+        </p:nvCxnSpPr>
+        <p:spPr>
+          <a:xfrm rot="10800000">
+            <a:off x="3917734" y="2058661"/>
+            <a:ext cx="1156608" cy="855530"/>
+          </a:xfrm>
+          <a:prstGeom prst="bentConnector3">
+            <a:avLst>
+              <a:gd name="adj1" fmla="val 50000"/>
+            </a:avLst>
+          </a:prstGeom>
+          <a:ln w="19050">
+            <a:solidFill>
+              <a:schemeClr val="accent5">
+                <a:lumMod val="60000"/>
+                <a:lumOff val="40000"/>
+              </a:schemeClr>
+            </a:solidFill>
+            <a:prstDash val="sysDot"/>
+            <a:headEnd type="none" w="med" len="med"/>
+            <a:tailEnd type="arrow" w="med" len="med"/>
+          </a:ln>
+          <a:effectLst/>
+        </p:spPr>
+        <p:style>
+          <a:lnRef idx="1">
+            <a:schemeClr val="accent2"/>
+          </a:lnRef>
+          <a:fillRef idx="2">
+            <a:schemeClr val="accent2"/>
+          </a:fillRef>
+          <a:effectRef idx="1">
+            <a:schemeClr val="accent2"/>
+          </a:effectRef>
+          <a:fontRef idx="minor">
+            <a:schemeClr val="dk1"/>
+          </a:fontRef>
+        </p:style>
+      </p:cxnSp>
+      <p:cxnSp>
+        <p:nvCxnSpPr>
+          <p:cNvPr id="102" name="Elbow Connector 12"/>
+          <p:cNvCxnSpPr>
+            <a:cxnSpLocks/>
+            <a:stCxn id="42" idx="3"/>
+          </p:cNvCxnSpPr>
+          <p:nvPr/>
+        </p:nvCxnSpPr>
+        <p:spPr>
+          <a:xfrm rot="10800000">
+            <a:off x="3921964" y="2540511"/>
+            <a:ext cx="1152379" cy="373681"/>
+          </a:xfrm>
+          <a:prstGeom prst="bentConnector3">
+            <a:avLst>
+              <a:gd name="adj1" fmla="val 50000"/>
+            </a:avLst>
+          </a:prstGeom>
+          <a:ln w="19050">
+            <a:solidFill>
+              <a:schemeClr val="accent5">
+                <a:lumMod val="60000"/>
+                <a:lumOff val="40000"/>
+              </a:schemeClr>
+            </a:solidFill>
+            <a:prstDash val="sysDot"/>
+            <a:headEnd type="none" w="med" len="med"/>
+            <a:tailEnd type="arrow" w="med" len="med"/>
+          </a:ln>
+          <a:effectLst/>
+        </p:spPr>
+        <p:style>
+          <a:lnRef idx="1">
+            <a:schemeClr val="accent2"/>
+          </a:lnRef>
+          <a:fillRef idx="2">
+            <a:schemeClr val="accent2"/>
+          </a:fillRef>
+          <a:effectRef idx="1">
+            <a:schemeClr val="accent2"/>
+          </a:effectRef>
+          <a:fontRef idx="minor">
+            <a:schemeClr val="dk1"/>
+          </a:fontRef>
+        </p:style>
+      </p:cxnSp>
+      <p:cxnSp>
+        <p:nvCxnSpPr>
+          <p:cNvPr id="103" name="Elbow Connector 12"/>
+          <p:cNvCxnSpPr>
+            <a:cxnSpLocks/>
+            <a:stCxn id="42" idx="3"/>
+          </p:cNvCxnSpPr>
+          <p:nvPr/>
+        </p:nvCxnSpPr>
+        <p:spPr>
+          <a:xfrm rot="10800000" flipV="1">
+            <a:off x="3926192" y="2914191"/>
+            <a:ext cx="1148150" cy="108168"/>
+          </a:xfrm>
+          <a:prstGeom prst="bentConnector3">
+            <a:avLst>
+              <a:gd name="adj1" fmla="val 50000"/>
+            </a:avLst>
+          </a:prstGeom>
+          <a:ln w="19050">
+            <a:solidFill>
+              <a:schemeClr val="accent5">
+                <a:lumMod val="60000"/>
+                <a:lumOff val="40000"/>
+              </a:schemeClr>
+            </a:solidFill>
+            <a:prstDash val="sysDot"/>
+            <a:headEnd type="none" w="med" len="med"/>
+            <a:tailEnd type="arrow" w="med" len="med"/>
+          </a:ln>
+          <a:effectLst/>
+        </p:spPr>
+        <p:style>
+          <a:lnRef idx="1">
+            <a:schemeClr val="accent2"/>
+          </a:lnRef>
+          <a:fillRef idx="2">
+            <a:schemeClr val="accent2"/>
+          </a:fillRef>
+          <a:effectRef idx="1">
+            <a:schemeClr val="accent2"/>
+          </a:effectRef>
+          <a:fontRef idx="minor">
+            <a:schemeClr val="dk1"/>
+          </a:fontRef>
+        </p:style>
+      </p:cxnSp>
+      <p:cxnSp>
+        <p:nvCxnSpPr>
+          <p:cNvPr id="104" name="Elbow Connector 12"/>
+          <p:cNvCxnSpPr>
+            <a:cxnSpLocks/>
+            <a:stCxn id="42" idx="3"/>
+          </p:cNvCxnSpPr>
+          <p:nvPr/>
+        </p:nvCxnSpPr>
+        <p:spPr>
+          <a:xfrm rot="10800000" flipV="1">
+            <a:off x="3930422" y="2914191"/>
+            <a:ext cx="1143921" cy="439870"/>
+          </a:xfrm>
+          <a:prstGeom prst="bentConnector3">
+            <a:avLst>
+              <a:gd name="adj1" fmla="val 50000"/>
+            </a:avLst>
+          </a:prstGeom>
+          <a:ln w="19050">
+            <a:solidFill>
+              <a:schemeClr val="accent5">
+                <a:lumMod val="60000"/>
+                <a:lumOff val="40000"/>
+              </a:schemeClr>
+            </a:solidFill>
+            <a:prstDash val="sysDot"/>
+            <a:headEnd type="none" w="med" len="med"/>
+            <a:tailEnd type="arrow" w="med" len="med"/>
+          </a:ln>
+          <a:effectLst/>
+        </p:spPr>
+        <p:style>
+          <a:lnRef idx="1">
+            <a:schemeClr val="accent2"/>
+          </a:lnRef>
+          <a:fillRef idx="2">
+            <a:schemeClr val="accent2"/>
+          </a:fillRef>
+          <a:effectRef idx="1">
+            <a:schemeClr val="accent2"/>
+          </a:effectRef>
+          <a:fontRef idx="minor">
+            <a:schemeClr val="dk1"/>
+          </a:fontRef>
+        </p:style>
+      </p:cxnSp>
+      <p:cxnSp>
+        <p:nvCxnSpPr>
+          <p:cNvPr id="51" name="Elbow Connector 50"/>
+          <p:cNvCxnSpPr>
+            <a:stCxn id="16" idx="3"/>
+            <a:endCxn id="42" idx="2"/>
+          </p:cNvCxnSpPr>
+          <p:nvPr/>
+        </p:nvCxnSpPr>
+        <p:spPr>
+          <a:xfrm flipV="1">
+            <a:off x="4300741" y="3087571"/>
+            <a:ext cx="1269594" cy="659673"/>
+          </a:xfrm>
+          <a:prstGeom prst="bentConnector2">
+            <a:avLst/>
+          </a:prstGeom>
+          <a:ln w="19050">
+            <a:solidFill>
+              <a:schemeClr val="accent5">
+                <a:lumMod val="75000"/>
+              </a:schemeClr>
+            </a:solidFill>
+            <a:prstDash val="sysDot"/>
+            <a:headEnd type="none" w="med" len="med"/>
+            <a:tailEnd type="arrow" w="med" len="med"/>
+          </a:ln>
+          <a:effectLst/>
+        </p:spPr>
+        <p:style>
+          <a:lnRef idx="1">
+            <a:schemeClr val="accent2"/>
+          </a:lnRef>
+          <a:fillRef idx="2">
+            <a:schemeClr val="accent2"/>
+          </a:fillRef>
+          <a:effectRef idx="1">
+            <a:schemeClr val="accent2"/>
+          </a:effectRef>
+          <a:fontRef idx="minor">
+            <a:schemeClr val="dk1"/>
+          </a:fontRef>
+        </p:style>
+      </p:cxnSp>
+      <p:cxnSp>
+        <p:nvCxnSpPr>
+          <p:cNvPr id="83" name="Elbow Connector 82"/>
+          <p:cNvCxnSpPr>
+            <a:endCxn id="42" idx="0"/>
+          </p:cNvCxnSpPr>
+          <p:nvPr/>
+        </p:nvCxnSpPr>
+        <p:spPr>
+          <a:xfrm rot="16200000" flipH="1">
+            <a:off x="5451193" y="2621669"/>
+            <a:ext cx="234926" cy="3358"/>
+          </a:xfrm>
+          <a:prstGeom prst="bentConnector3">
+            <a:avLst/>
+          </a:prstGeom>
+          <a:ln>
+            <a:solidFill>
+              <a:schemeClr val="accent5">
+                <a:lumMod val="75000"/>
+              </a:schemeClr>
+            </a:solidFill>
+            <a:prstDash val="sysDot"/>
+          </a:ln>
+        </p:spPr>
+        <p:style>
+          <a:lnRef idx="1">
+            <a:schemeClr val="accent1"/>
+          </a:lnRef>
+          <a:fillRef idx="0">
+            <a:schemeClr val="accent1"/>
+          </a:fillRef>
+          <a:effectRef idx="0">
+            <a:schemeClr val="accent1"/>
+          </a:effectRef>
+          <a:fontRef idx="minor">
+            <a:schemeClr val="tx1"/>
+          </a:fontRef>
+        </p:style>
+      </p:cxnSp>
+      <p:sp>
+        <p:nvSpPr>
+          <p:cNvPr id="127" name="Folded Corner 126"/>
+          <p:cNvSpPr/>
+          <p:nvPr/>
+        </p:nvSpPr>
+        <p:spPr>
+          <a:xfrm>
+            <a:off x="6239817" y="1981200"/>
+            <a:ext cx="1332977" cy="630473"/>
+          </a:xfrm>
+          <a:prstGeom prst="foldedCorner">
+            <a:avLst/>
+          </a:prstGeom>
+          <a:solidFill>
+            <a:schemeClr val="accent5">
+              <a:lumMod val="60000"/>
+              <a:lumOff val="40000"/>
+            </a:schemeClr>
+          </a:solidFill>
+          <a:ln w="19050">
+            <a:solidFill>
+              <a:schemeClr val="bg1"/>
+            </a:solidFill>
+          </a:ln>
+          <a:effectLst/>
+        </p:spPr>
+        <p:style>
+          <a:lnRef idx="1">
+            <a:schemeClr val="accent2"/>
+          </a:lnRef>
+          <a:fillRef idx="2">
+            <a:schemeClr val="accent2"/>
+          </a:fillRef>
+          <a:effectRef idx="1">
+            <a:schemeClr val="accent2"/>
+          </a:effectRef>
+          <a:fontRef idx="minor">
+            <a:schemeClr val="dk1"/>
+          </a:fontRef>
+        </p:style>
+        <p:txBody>
+          <a:bodyPr rtlCol="0" anchor="ctr"/>
+          <a:lstStyle/>
+          <a:p>
+            <a:pPr algn="ctr"/>
+            <a:r>
+              <a:rPr lang="en-US" sz="1050" dirty="0" err="1">
+                <a:solidFill>
+                  <a:schemeClr val="bg1"/>
+                </a:solidFill>
+              </a:rPr>
+              <a:t>XYZCommand</a:t>
+            </a:r>
+            <a:r>
+              <a:rPr lang="en-US" sz="1050" dirty="0">
+                <a:solidFill>
+                  <a:schemeClr val="bg1"/>
+                </a:solidFill>
+              </a:rPr>
+              <a:t> = </a:t>
+            </a:r>
+            <a:r>
+              <a:rPr lang="en-US" sz="1050" dirty="0" err="1">
+                <a:solidFill>
+                  <a:schemeClr val="bg1"/>
+                </a:solidFill>
+              </a:rPr>
+              <a:t>AddEntryCommand</a:t>
+            </a:r>
+            <a:r>
+              <a:rPr lang="en-US" sz="1050" dirty="0">
+                <a:solidFill>
+                  <a:schemeClr val="bg1"/>
+                </a:solidFill>
+              </a:rPr>
+              <a:t>, </a:t>
+            </a:r>
+            <a:r>
+              <a:rPr lang="en-US" sz="1050" dirty="0" err="1">
+                <a:solidFill>
+                  <a:schemeClr val="bg1"/>
+                </a:solidFill>
+              </a:rPr>
+              <a:t>MakeCommand</a:t>
+            </a:r>
+            <a:r>
+              <a:rPr lang="en-US" sz="1050" dirty="0">
+                <a:solidFill>
+                  <a:schemeClr val="bg1"/>
+                </a:solidFill>
+              </a:rPr>
+              <a:t>, etc.</a:t>
+            </a:r>
+          </a:p>
+        </p:txBody>
+      </p:sp>
+      <p:sp>
+        <p:nvSpPr>
+          <p:cNvPr id="59" name="Rectangle 62">
+            <a:extLst>
+              <a:ext uri="{FF2B5EF4-FFF2-40B4-BE49-F238E27FC236}">
+                <a16:creationId xmlns:a16="http://schemas.microsoft.com/office/drawing/2014/main" id="{5B94FD11-0E69-4AAB-8E7F-185184AF4A0D}"/>
+              </a:ext>
+            </a:extLst>
+          </p:cNvPr>
+          <p:cNvSpPr/>
+          <p:nvPr/>
+        </p:nvSpPr>
+        <p:spPr>
+          <a:xfrm>
+            <a:off x="4379999" y="4511066"/>
+            <a:ext cx="805984" cy="346760"/>
+          </a:xfrm>
+          <a:prstGeom prst="rect">
+            <a:avLst/>
+          </a:prstGeom>
+          <a:solidFill>
+            <a:srgbClr val="0070C0"/>
+          </a:solidFill>
+          <a:ln w="19050">
+            <a:solidFill>
+              <a:srgbClr val="0070C0"/>
+            </a:solidFill>
+          </a:ln>
+          <a:effectLst/>
+        </p:spPr>
+        <p:style>
+          <a:lnRef idx="1">
+            <a:schemeClr val="accent2"/>
+          </a:lnRef>
+          <a:fillRef idx="2">
+            <a:schemeClr val="accent2"/>
+          </a:fillRef>
+          <a:effectRef idx="1">
+            <a:schemeClr val="accent2"/>
+          </a:effectRef>
+          <a:fontRef idx="minor">
+            <a:schemeClr val="dk1"/>
+          </a:fontRef>
+        </p:style>
+        <p:txBody>
+          <a:bodyPr rtlCol="0" anchor="ctr"/>
+          <a:lstStyle/>
+          <a:p>
+            <a:pPr algn="ctr"/>
+            <a:r>
+              <a:rPr lang="en-US" sz="1050" dirty="0" err="1">
+                <a:solidFill>
+                  <a:schemeClr val="bg1"/>
+                </a:solidFill>
+              </a:rPr>
+              <a:t>AwarenessService</a:t>
+            </a:r>
+            <a:endParaRPr lang="en-SG" sz="1050" dirty="0">
+              <a:solidFill>
+                <a:schemeClr val="bg1"/>
+              </a:solidFill>
+            </a:endParaRPr>
+          </a:p>
+        </p:txBody>
+      </p:sp>
+      <p:sp>
+        <p:nvSpPr>
+          <p:cNvPr id="61" name="Rectangle 62">
+            <a:extLst>
+              <a:ext uri="{FF2B5EF4-FFF2-40B4-BE49-F238E27FC236}">
+                <a16:creationId xmlns:a16="http://schemas.microsoft.com/office/drawing/2014/main" id="{6DB431CF-7803-49AB-BC8A-76F266C4FB08}"/>
+              </a:ext>
+            </a:extLst>
+          </p:cNvPr>
+          <p:cNvSpPr/>
+          <p:nvPr/>
+        </p:nvSpPr>
+        <p:spPr>
+          <a:xfrm>
+            <a:off x="2558953" y="4494329"/>
+            <a:ext cx="1155124" cy="346760"/>
+          </a:xfrm>
+          <a:prstGeom prst="rect">
+            <a:avLst/>
+          </a:prstGeom>
+          <a:solidFill>
+            <a:srgbClr val="0070C0"/>
+          </a:solidFill>
+          <a:ln w="19050">
+            <a:solidFill>
+              <a:srgbClr val="0070C0"/>
+            </a:solidFill>
+          </a:ln>
+          <a:effectLst/>
+        </p:spPr>
+        <p:style>
+          <a:lnRef idx="1">
+            <a:schemeClr val="accent2"/>
+          </a:lnRef>
+          <a:fillRef idx="2">
+            <a:schemeClr val="accent2"/>
+          </a:fillRef>
+          <a:effectRef idx="1">
+            <a:schemeClr val="accent2"/>
+          </a:effectRef>
+          <a:fontRef idx="minor">
+            <a:schemeClr val="dk1"/>
+          </a:fontRef>
+        </p:style>
+        <p:txBody>
+          <a:bodyPr rtlCol="0" anchor="ctr"/>
+          <a:lstStyle/>
+          <a:p>
+            <a:pPr algn="ctr"/>
+            <a:r>
+              <a:rPr lang="en-US" sz="1050" dirty="0">
+                <a:solidFill>
+                  <a:schemeClr val="bg1"/>
+                </a:solidFill>
+              </a:rPr>
+              <a:t>&lt;&lt;interface&gt;&gt;</a:t>
+            </a:r>
+          </a:p>
+          <a:p>
+            <a:pPr algn="ctr"/>
+            <a:r>
+              <a:rPr lang="en-US" sz="1050" dirty="0" err="1">
+                <a:solidFill>
+                  <a:schemeClr val="bg1"/>
+                </a:solidFill>
+              </a:rPr>
+              <a:t>CmdLineObserver</a:t>
+            </a:r>
+            <a:endParaRPr lang="en-SG" sz="1050" dirty="0">
+              <a:solidFill>
+                <a:schemeClr val="bg1"/>
+              </a:solidFill>
+            </a:endParaRPr>
+          </a:p>
+        </p:txBody>
+      </p:sp>
+      <p:sp>
+        <p:nvSpPr>
+          <p:cNvPr id="65" name="Isosceles Triangle 102">
+            <a:extLst>
+              <a:ext uri="{FF2B5EF4-FFF2-40B4-BE49-F238E27FC236}">
+                <a16:creationId xmlns:a16="http://schemas.microsoft.com/office/drawing/2014/main" id="{4E48E82B-CD1E-4AD2-AC92-5CC0C4A642A5}"/>
+              </a:ext>
+            </a:extLst>
+          </p:cNvPr>
+          <p:cNvSpPr/>
+          <p:nvPr/>
+        </p:nvSpPr>
+        <p:spPr>
+          <a:xfrm rot="5400000" flipV="1">
+            <a:off x="3677453" y="4593336"/>
+            <a:ext cx="270504" cy="175523"/>
+          </a:xfrm>
+          <a:prstGeom prst="triangle">
+            <a:avLst/>
+          </a:prstGeom>
+          <a:solidFill>
+            <a:schemeClr val="tx2">
+              <a:lumMod val="60000"/>
+              <a:lumOff val="40000"/>
+            </a:schemeClr>
+          </a:solidFill>
+          <a:ln w="19050">
+            <a:solidFill>
+              <a:srgbClr val="0070C0"/>
+            </a:solidFill>
+          </a:ln>
+          <a:effectLst/>
+        </p:spPr>
+        <p:style>
+          <a:lnRef idx="1">
+            <a:schemeClr val="accent1"/>
+          </a:lnRef>
+          <a:fillRef idx="2">
+            <a:schemeClr val="accent1"/>
+          </a:fillRef>
+          <a:effectRef idx="1">
+            <a:schemeClr val="accent1"/>
+          </a:effectRef>
+          <a:fontRef idx="minor">
+            <a:schemeClr val="dk1"/>
+          </a:fontRef>
+        </p:style>
+        <p:txBody>
+          <a:bodyPr rtlCol="0" anchor="ctr"/>
+          <a:lstStyle/>
+          <a:p>
+            <a:pPr algn="ctr"/>
+            <a:endParaRPr lang="en-SG" sz="1050" b="1">
+              <a:solidFill>
+                <a:srgbClr val="92D050"/>
+              </a:solidFill>
+            </a:endParaRPr>
+          </a:p>
+        </p:txBody>
+      </p:sp>
+      <p:cxnSp>
+        <p:nvCxnSpPr>
+          <p:cNvPr id="66" name="Elbow Connector 95">
+            <a:extLst>
+              <a:ext uri="{FF2B5EF4-FFF2-40B4-BE49-F238E27FC236}">
+                <a16:creationId xmlns:a16="http://schemas.microsoft.com/office/drawing/2014/main" id="{333C45CF-58EE-42E3-98DA-2E037134EE04}"/>
+              </a:ext>
+            </a:extLst>
+          </p:cNvPr>
+          <p:cNvCxnSpPr>
+            <a:cxnSpLocks/>
+            <a:stCxn id="59" idx="1"/>
+            <a:endCxn id="65" idx="3"/>
+          </p:cNvCxnSpPr>
+          <p:nvPr/>
+        </p:nvCxnSpPr>
+        <p:spPr>
+          <a:xfrm rot="10800000">
+            <a:off x="3900467" y="4681098"/>
+            <a:ext cx="479532" cy="3348"/>
+          </a:xfrm>
+          <a:prstGeom prst="bentConnector3">
+            <a:avLst>
+              <a:gd name="adj1" fmla="val 50000"/>
+            </a:avLst>
+          </a:prstGeom>
+          <a:ln w="19050">
+            <a:solidFill>
+              <a:srgbClr val="0070C0"/>
+            </a:solidFill>
+            <a:prstDash val="sysDot"/>
+            <a:headEnd type="none" w="med" len="med"/>
+            <a:tailEnd type="none" w="med" len="med"/>
+          </a:ln>
+        </p:spPr>
+        <p:style>
+          <a:lnRef idx="1">
+            <a:schemeClr val="accent1"/>
+          </a:lnRef>
+          <a:fillRef idx="0">
+            <a:schemeClr val="accent1"/>
+          </a:fillRef>
+          <a:effectRef idx="0">
+            <a:schemeClr val="accent1"/>
+          </a:effectRef>
+          <a:fontRef idx="minor">
+            <a:schemeClr val="tx1"/>
+          </a:fontRef>
+        </p:style>
+      </p:cxnSp>
+      <p:cxnSp>
+        <p:nvCxnSpPr>
+          <p:cNvPr id="67" name="Straight Arrow Connector 57">
+            <a:extLst>
+              <a:ext uri="{FF2B5EF4-FFF2-40B4-BE49-F238E27FC236}">
+                <a16:creationId xmlns:a16="http://schemas.microsoft.com/office/drawing/2014/main" id="{F6643B1F-DE0E-4394-A449-11D30933EF16}"/>
+              </a:ext>
+            </a:extLst>
+          </p:cNvPr>
+          <p:cNvCxnSpPr>
+            <a:cxnSpLocks/>
+          </p:cNvCxnSpPr>
+          <p:nvPr/>
+        </p:nvCxnSpPr>
+        <p:spPr>
+          <a:xfrm>
+            <a:off x="2721179" y="3921339"/>
+            <a:ext cx="0" cy="572990"/>
+          </a:xfrm>
+          <a:prstGeom prst="straightConnector1">
+            <a:avLst/>
+          </a:prstGeom>
+          <a:ln w="19050">
+            <a:solidFill>
+              <a:srgbClr val="0070C0"/>
+            </a:solidFill>
+            <a:headEnd type="none" w="med" len="med"/>
+            <a:tailEnd type="arrow" w="med" len="med"/>
+          </a:ln>
+          <a:effectLst/>
+        </p:spPr>
+        <p:style>
+          <a:lnRef idx="1">
+            <a:schemeClr val="accent2"/>
+          </a:lnRef>
+          <a:fillRef idx="2">
+            <a:schemeClr val="accent2"/>
+          </a:fillRef>
+          <a:effectRef idx="1">
+            <a:schemeClr val="accent2"/>
+          </a:effectRef>
+          <a:fontRef idx="minor">
+            <a:schemeClr val="dk1"/>
+          </a:fontRef>
+        </p:style>
+      </p:cxnSp>
+      <p:sp>
+        <p:nvSpPr>
+          <p:cNvPr id="74" name="TextBox 73">
+            <a:extLst>
+              <a:ext uri="{FF2B5EF4-FFF2-40B4-BE49-F238E27FC236}">
+                <a16:creationId xmlns:a16="http://schemas.microsoft.com/office/drawing/2014/main" id="{280BA3E9-BF8D-4841-8540-110946C1C376}"/>
+              </a:ext>
+            </a:extLst>
+          </p:cNvPr>
+          <p:cNvSpPr txBox="1"/>
+          <p:nvPr/>
+        </p:nvSpPr>
+        <p:spPr>
+          <a:xfrm>
+            <a:off x="2537877" y="4334303"/>
+            <a:ext cx="131116" cy="230832"/>
+          </a:xfrm>
+          <a:prstGeom prst="rect">
+            <a:avLst/>
+          </a:prstGeom>
+          <a:noFill/>
+        </p:spPr>
+        <p:txBody>
+          <a:bodyPr wrap="square" lIns="0" tIns="0" rIns="0" bIns="0" rtlCol="0">
+            <a:noAutofit/>
+          </a:bodyPr>
+          <a:lstStyle/>
+          <a:p>
+            <a:pPr algn="r"/>
+            <a:r>
+              <a:rPr lang="en-US" sz="1100" dirty="0">
+                <a:solidFill>
+                  <a:srgbClr val="0070C0"/>
+                </a:solidFill>
+              </a:rPr>
+              <a:t>*</a:t>
+            </a:r>
+            <a:endParaRPr lang="en-SG" sz="1100" dirty="0">
+              <a:solidFill>
+                <a:srgbClr val="0070C0"/>
+              </a:solidFill>
+            </a:endParaRPr>
+          </a:p>
         </p:txBody>
       </p:sp>
     </p:spTree>
     <p:extLst>
       <p:ext uri="{BB962C8B-B14F-4D97-AF65-F5344CB8AC3E}">
-        <p14:creationId xmlns:p14="http://schemas.microsoft.com/office/powerpoint/2010/main" val="211586602"/>
+        <p14:creationId xmlns:p14="http://schemas.microsoft.com/office/powerpoint/2010/main" val="463183768"/>
       </p:ext>
     </p:extLst>
   </p:cSld>
